--- a/Docs/EconSage_Project.pptx
+++ b/Docs/EconSage_Project.pptx
@@ -253,7 +253,7 @@
           <a:p>
             <a:fld id="{6CC107E5-7DC6-4885-AB4C-DC7A4BF93727}" type="datetimeFigureOut">
               <a:rPr lang="en-US" smtClean="0"/>
-              <a:t>6/4/2024</a:t>
+              <a:t>6/12/2024</a:t>
             </a:fld>
             <a:endParaRPr lang="en-US"/>
           </a:p>
@@ -423,7 +423,7 @@
           <a:p>
             <a:fld id="{6CC107E5-7DC6-4885-AB4C-DC7A4BF93727}" type="datetimeFigureOut">
               <a:rPr lang="en-US" smtClean="0"/>
-              <a:t>6/4/2024</a:t>
+              <a:t>6/12/2024</a:t>
             </a:fld>
             <a:endParaRPr lang="en-US"/>
           </a:p>
@@ -603,7 +603,7 @@
           <a:p>
             <a:fld id="{6CC107E5-7DC6-4885-AB4C-DC7A4BF93727}" type="datetimeFigureOut">
               <a:rPr lang="en-US" smtClean="0"/>
-              <a:t>6/4/2024</a:t>
+              <a:t>6/12/2024</a:t>
             </a:fld>
             <a:endParaRPr lang="en-US"/>
           </a:p>
@@ -773,7 +773,7 @@
           <a:p>
             <a:fld id="{6CC107E5-7DC6-4885-AB4C-DC7A4BF93727}" type="datetimeFigureOut">
               <a:rPr lang="en-US" smtClean="0"/>
-              <a:t>6/4/2024</a:t>
+              <a:t>6/12/2024</a:t>
             </a:fld>
             <a:endParaRPr lang="en-US"/>
           </a:p>
@@ -1019,7 +1019,7 @@
           <a:p>
             <a:fld id="{6CC107E5-7DC6-4885-AB4C-DC7A4BF93727}" type="datetimeFigureOut">
               <a:rPr lang="en-US" smtClean="0"/>
-              <a:t>6/4/2024</a:t>
+              <a:t>6/12/2024</a:t>
             </a:fld>
             <a:endParaRPr lang="en-US"/>
           </a:p>
@@ -1251,7 +1251,7 @@
           <a:p>
             <a:fld id="{6CC107E5-7DC6-4885-AB4C-DC7A4BF93727}" type="datetimeFigureOut">
               <a:rPr lang="en-US" smtClean="0"/>
-              <a:t>6/4/2024</a:t>
+              <a:t>6/12/2024</a:t>
             </a:fld>
             <a:endParaRPr lang="en-US"/>
           </a:p>
@@ -1618,7 +1618,7 @@
           <a:p>
             <a:fld id="{6CC107E5-7DC6-4885-AB4C-DC7A4BF93727}" type="datetimeFigureOut">
               <a:rPr lang="en-US" smtClean="0"/>
-              <a:t>6/4/2024</a:t>
+              <a:t>6/12/2024</a:t>
             </a:fld>
             <a:endParaRPr lang="en-US"/>
           </a:p>
@@ -1736,7 +1736,7 @@
           <a:p>
             <a:fld id="{6CC107E5-7DC6-4885-AB4C-DC7A4BF93727}" type="datetimeFigureOut">
               <a:rPr lang="en-US" smtClean="0"/>
-              <a:t>6/4/2024</a:t>
+              <a:t>6/12/2024</a:t>
             </a:fld>
             <a:endParaRPr lang="en-US"/>
           </a:p>
@@ -1831,7 +1831,7 @@
           <a:p>
             <a:fld id="{6CC107E5-7DC6-4885-AB4C-DC7A4BF93727}" type="datetimeFigureOut">
               <a:rPr lang="en-US" smtClean="0"/>
-              <a:t>6/4/2024</a:t>
+              <a:t>6/12/2024</a:t>
             </a:fld>
             <a:endParaRPr lang="en-US"/>
           </a:p>
@@ -2108,7 +2108,7 @@
           <a:p>
             <a:fld id="{6CC107E5-7DC6-4885-AB4C-DC7A4BF93727}" type="datetimeFigureOut">
               <a:rPr lang="en-US" smtClean="0"/>
-              <a:t>6/4/2024</a:t>
+              <a:t>6/12/2024</a:t>
             </a:fld>
             <a:endParaRPr lang="en-US"/>
           </a:p>
@@ -2361,7 +2361,7 @@
           <a:p>
             <a:fld id="{6CC107E5-7DC6-4885-AB4C-DC7A4BF93727}" type="datetimeFigureOut">
               <a:rPr lang="en-US" smtClean="0"/>
-              <a:t>6/4/2024</a:t>
+              <a:t>6/12/2024</a:t>
             </a:fld>
             <a:endParaRPr lang="en-US"/>
           </a:p>
@@ -2574,7 +2574,7 @@
           <a:p>
             <a:fld id="{6CC107E5-7DC6-4885-AB4C-DC7A4BF93727}" type="datetimeFigureOut">
               <a:rPr lang="en-US" smtClean="0"/>
-              <a:t>6/4/2024</a:t>
+              <a:t>6/12/2024</a:t>
             </a:fld>
             <a:endParaRPr lang="en-US"/>
           </a:p>
@@ -2979,86 +2979,6 @@
           <a:chExt cx="0" cy="0"/>
         </a:xfrm>
       </p:grpSpPr>
-      <p:pic>
-        <p:nvPicPr>
-          <p:cNvPr id="6146" name="Picture 2" descr="Economic Images - Free Download on Freepik"/>
-          <p:cNvPicPr>
-            <a:picLocks noChangeAspect="1" noChangeArrowheads="1"/>
-          </p:cNvPicPr>
-          <p:nvPr/>
-        </p:nvPicPr>
-        <p:blipFill rotWithShape="1">
-          <a:blip r:embed="rId2">
-            <a:extLst>
-              <a:ext uri="{28A0092B-C50C-407E-A947-70E740481C1C}">
-                <a14:useLocalDpi xmlns:a14="http://schemas.microsoft.com/office/drawing/2010/main" val="0"/>
-              </a:ext>
-            </a:extLst>
-          </a:blip>
-          <a:srcRect b="9290"/>
-          <a:stretch/>
-        </p:blipFill>
-        <p:spPr bwMode="auto">
-          <a:xfrm>
-            <a:off x="-161364" y="0"/>
-            <a:ext cx="12353364" cy="7464490"/>
-          </a:xfrm>
-          <a:prstGeom prst="rect">
-            <a:avLst/>
-          </a:prstGeom>
-          <a:noFill/>
-        </p:spPr>
-      </p:pic>
-      <p:sp>
-        <p:nvSpPr>
-          <p:cNvPr id="12" name="Rectangle 11"/>
-          <p:cNvSpPr/>
-          <p:nvPr/>
-        </p:nvSpPr>
-        <p:spPr>
-          <a:xfrm>
-            <a:off x="-161364" y="0"/>
-            <a:ext cx="12353364" cy="7464490"/>
-          </a:xfrm>
-          <a:prstGeom prst="rect">
-            <a:avLst/>
-          </a:prstGeom>
-          <a:solidFill>
-            <a:schemeClr val="tx1">
-              <a:lumMod val="95000"/>
-              <a:lumOff val="5000"/>
-              <a:alpha val="44000"/>
-            </a:schemeClr>
-          </a:solidFill>
-          <a:ln>
-            <a:noFill/>
-          </a:ln>
-        </p:spPr>
-        <p:style>
-          <a:lnRef idx="2">
-            <a:schemeClr val="accent1">
-              <a:shade val="50000"/>
-            </a:schemeClr>
-          </a:lnRef>
-          <a:fillRef idx="1">
-            <a:schemeClr val="accent1"/>
-          </a:fillRef>
-          <a:effectRef idx="0">
-            <a:schemeClr val="accent1"/>
-          </a:effectRef>
-          <a:fontRef idx="minor">
-            <a:schemeClr val="lt1"/>
-          </a:fontRef>
-        </p:style>
-        <p:txBody>
-          <a:bodyPr rtlCol="0" anchor="ctr"/>
-          <a:lstStyle/>
-          <a:p>
-            <a:pPr algn="ctr"/>
-            <a:endParaRPr lang="en-US" dirty="0"/>
-          </a:p>
-        </p:txBody>
-      </p:sp>
       <p:sp>
         <p:nvSpPr>
           <p:cNvPr id="2" name="Title 1"/>
@@ -3157,60 +3077,6 @@
       </p:sp>
       <p:sp>
         <p:nvSpPr>
-          <p:cNvPr id="13" name="Rectangle 12"/>
-          <p:cNvSpPr/>
-          <p:nvPr/>
-        </p:nvSpPr>
-        <p:spPr>
-          <a:xfrm>
-            <a:off x="800100" y="3695700"/>
-            <a:ext cx="133350" cy="1809750"/>
-          </a:xfrm>
-          <a:prstGeom prst="rect">
-            <a:avLst/>
-          </a:prstGeom>
-          <a:gradFill>
-            <a:gsLst>
-              <a:gs pos="0">
-                <a:srgbClr val="2D72B8"/>
-              </a:gs>
-              <a:gs pos="100000">
-                <a:srgbClr val="A059A1"/>
-              </a:gs>
-            </a:gsLst>
-            <a:lin ang="600000" scaled="0"/>
-          </a:gradFill>
-          <a:ln>
-            <a:noFill/>
-          </a:ln>
-        </p:spPr>
-        <p:style>
-          <a:lnRef idx="2">
-            <a:schemeClr val="accent1">
-              <a:shade val="50000"/>
-            </a:schemeClr>
-          </a:lnRef>
-          <a:fillRef idx="1">
-            <a:schemeClr val="accent1"/>
-          </a:fillRef>
-          <a:effectRef idx="0">
-            <a:schemeClr val="accent1"/>
-          </a:effectRef>
-          <a:fontRef idx="minor">
-            <a:schemeClr val="lt1"/>
-          </a:fontRef>
-        </p:style>
-        <p:txBody>
-          <a:bodyPr rtlCol="0" anchor="ctr"/>
-          <a:lstStyle/>
-          <a:p>
-            <a:pPr algn="ctr"/>
-            <a:endParaRPr lang="en-US"/>
-          </a:p>
-        </p:txBody>
-      </p:sp>
-      <p:sp>
-        <p:nvSpPr>
           <p:cNvPr id="15" name="TextBox 14"/>
           <p:cNvSpPr txBox="1"/>
           <p:nvPr/>
@@ -3247,6 +3113,41 @@
           </a:p>
         </p:txBody>
       </p:sp>
+      <p:pic>
+        <p:nvPicPr>
+          <p:cNvPr id="4" name="Picture 3"/>
+          <p:cNvPicPr>
+            <a:picLocks noChangeAspect="1"/>
+          </p:cNvPicPr>
+          <p:nvPr/>
+        </p:nvPicPr>
+        <p:blipFill>
+          <a:blip r:embed="rId2" cstate="print">
+            <a:extLst>
+              <a:ext uri="{28A0092B-C50C-407E-A947-70E740481C1C}">
+                <a14:useLocalDpi xmlns:a14="http://schemas.microsoft.com/office/drawing/2010/main" val="0"/>
+              </a:ext>
+            </a:extLst>
+          </a:blip>
+          <a:stretch>
+            <a:fillRect/>
+          </a:stretch>
+        </p:blipFill>
+        <p:spPr>
+          <a:xfrm>
+            <a:off x="0" y="0"/>
+            <a:ext cx="12192000" cy="6858000"/>
+          </a:xfrm>
+          <a:prstGeom prst="rect">
+            <a:avLst/>
+          </a:prstGeom>
+          <a:effectLst>
+            <a:outerShdw blurRad="50800" dist="50800" dir="5400000" algn="ctr" rotWithShape="0">
+              <a:srgbClr val="000000"/>
+            </a:outerShdw>
+          </a:effectLst>
+        </p:spPr>
+      </p:pic>
     </p:spTree>
     <p:extLst>
       <p:ext uri="{BB962C8B-B14F-4D97-AF65-F5344CB8AC3E}">
@@ -3415,7 +3316,7 @@
           <a:gradFill flip="none" rotWithShape="1">
             <a:gsLst>
               <a:gs pos="0">
-                <a:srgbClr val="FBC208"/>
+                <a:srgbClr val="B40426"/>
               </a:gs>
               <a:gs pos="100000">
                 <a:srgbClr val="43979D"/>
@@ -3470,7 +3371,7 @@
           <a:gradFill flip="none" rotWithShape="1">
             <a:gsLst>
               <a:gs pos="0">
-                <a:srgbClr val="FBC208"/>
+                <a:srgbClr val="B40426"/>
               </a:gs>
               <a:gs pos="100000">
                 <a:srgbClr val="43979D"/>
@@ -3576,6 +3477,36 @@
               </a14:hiddenFill>
             </a:ext>
           </a:extLst>
+        </p:spPr>
+      </p:pic>
+      <p:pic>
+        <p:nvPicPr>
+          <p:cNvPr id="8" name="Picture 7"/>
+          <p:cNvPicPr>
+            <a:picLocks noChangeAspect="1"/>
+          </p:cNvPicPr>
+          <p:nvPr/>
+        </p:nvPicPr>
+        <p:blipFill>
+          <a:blip r:embed="rId3">
+            <a:extLst>
+              <a:ext uri="{28A0092B-C50C-407E-A947-70E740481C1C}">
+                <a14:useLocalDpi xmlns:a14="http://schemas.microsoft.com/office/drawing/2010/main" val="0"/>
+              </a:ext>
+            </a:extLst>
+          </a:blip>
+          <a:stretch>
+            <a:fillRect/>
+          </a:stretch>
+        </p:blipFill>
+        <p:spPr>
+          <a:xfrm>
+            <a:off x="6389773" y="1527373"/>
+            <a:ext cx="5578292" cy="3890803"/>
+          </a:xfrm>
+          <a:prstGeom prst="rect">
+            <a:avLst/>
+          </a:prstGeom>
         </p:spPr>
       </p:pic>
     </p:spTree>
@@ -3669,7 +3600,7 @@
         </p:nvSpPr>
         <p:spPr>
           <a:xfrm>
-            <a:off x="5042707" y="721860"/>
+            <a:off x="5914904" y="637454"/>
             <a:ext cx="839866" cy="970384"/>
           </a:xfrm>
           <a:prstGeom prst="rect">
@@ -3709,44 +3640,6 @@
       </p:sp>
       <p:sp>
         <p:nvSpPr>
-          <p:cNvPr id="2" name="Title 1"/>
-          <p:cNvSpPr>
-            <a:spLocks noGrp="1"/>
-          </p:cNvSpPr>
-          <p:nvPr>
-            <p:ph type="title"/>
-          </p:nvPr>
-        </p:nvSpPr>
-        <p:spPr>
-          <a:xfrm>
-            <a:off x="1209488" y="2546978"/>
-            <a:ext cx="10515600" cy="1325563"/>
-          </a:xfrm>
-        </p:spPr>
-        <p:txBody>
-          <a:bodyPr>
-            <a:normAutofit/>
-          </a:bodyPr>
-          <a:lstStyle/>
-          <a:p>
-            <a:r>
-              <a:rPr lang="en-US" sz="6000" dirty="0" smtClean="0">
-                <a:latin typeface="Tahoma" panose="020B0604030504040204" pitchFamily="34" charset="0"/>
-                <a:ea typeface="Tahoma" panose="020B0604030504040204" pitchFamily="34" charset="0"/>
-                <a:cs typeface="Tahoma" panose="020B0604030504040204" pitchFamily="34" charset="0"/>
-              </a:rPr>
-              <a:t>Thank you</a:t>
-            </a:r>
-            <a:endParaRPr lang="en-US" sz="6000" dirty="0">
-              <a:latin typeface="Tahoma" panose="020B0604030504040204" pitchFamily="34" charset="0"/>
-              <a:ea typeface="Tahoma" panose="020B0604030504040204" pitchFamily="34" charset="0"/>
-              <a:cs typeface="Tahoma" panose="020B0604030504040204" pitchFamily="34" charset="0"/>
-            </a:endParaRPr>
-          </a:p>
-        </p:txBody>
-      </p:sp>
-      <p:sp>
-        <p:nvSpPr>
           <p:cNvPr id="3" name="Content Placeholder 2"/>
           <p:cNvSpPr>
             <a:spLocks noGrp="1"/>
@@ -3757,7 +3650,7 @@
         </p:nvSpPr>
         <p:spPr>
           <a:xfrm>
-            <a:off x="1824967" y="5694520"/>
+            <a:off x="455689" y="4950668"/>
             <a:ext cx="10515600" cy="805608"/>
           </a:xfrm>
         </p:spPr>
@@ -3788,7 +3681,7 @@
         </p:nvSpPr>
         <p:spPr>
           <a:xfrm>
-            <a:off x="838200" y="6278984"/>
+            <a:off x="455689" y="5457165"/>
             <a:ext cx="4760278" cy="369332"/>
           </a:xfrm>
           <a:prstGeom prst="rect">
@@ -3832,7 +3725,7 @@
         </p:blipFill>
         <p:spPr bwMode="auto">
           <a:xfrm>
-            <a:off x="838200" y="5527434"/>
+            <a:off x="455689" y="4025736"/>
             <a:ext cx="1154718" cy="649529"/>
           </a:xfrm>
           <a:prstGeom prst="rect">
@@ -3858,7 +3751,7 @@
         </p:nvSpPr>
         <p:spPr>
           <a:xfrm>
-            <a:off x="7250718" y="6176963"/>
+            <a:off x="455689" y="6290362"/>
             <a:ext cx="3375989" cy="646331"/>
           </a:xfrm>
           <a:prstGeom prst="rect">
@@ -3908,8 +3801,8 @@
         </p:blipFill>
         <p:spPr bwMode="auto">
           <a:xfrm>
-            <a:off x="5161917" y="839755"/>
-            <a:ext cx="6563171" cy="4217351"/>
+            <a:off x="5449966" y="-122673"/>
+            <a:ext cx="8892883" cy="7019778"/>
           </a:xfrm>
           <a:prstGeom prst="rect">
             <a:avLst/>
@@ -3926,6 +3819,52 @@
           </a:extLst>
         </p:spPr>
       </p:pic>
+      <p:sp>
+        <p:nvSpPr>
+          <p:cNvPr id="2" name="Title 1"/>
+          <p:cNvSpPr>
+            <a:spLocks noGrp="1"/>
+          </p:cNvSpPr>
+          <p:nvPr>
+            <p:ph type="title"/>
+          </p:nvPr>
+        </p:nvSpPr>
+        <p:spPr>
+          <a:xfrm>
+            <a:off x="455689" y="2021966"/>
+            <a:ext cx="3986845" cy="1325563"/>
+          </a:xfrm>
+        </p:spPr>
+        <p:txBody>
+          <a:bodyPr>
+            <a:normAutofit/>
+          </a:bodyPr>
+          <a:lstStyle/>
+          <a:p>
+            <a:r>
+              <a:rPr lang="en-US" sz="6000" dirty="0" smtClean="0">
+                <a:latin typeface="Coluna Rounded" panose="02000506000000020003" pitchFamily="50" charset="0"/>
+                <a:ea typeface="Tahoma" panose="020B0604030504040204" pitchFamily="34" charset="0"/>
+                <a:cs typeface="Tahoma" panose="020B0604030504040204" pitchFamily="34" charset="0"/>
+              </a:rPr>
+              <a:t>Thank </a:t>
+            </a:r>
+            <a:r>
+              <a:rPr lang="en-US" sz="6000" dirty="0" smtClean="0">
+                <a:latin typeface="Coluna Rounded" panose="02000506000000020003" pitchFamily="50" charset="0"/>
+                <a:ea typeface="Tahoma" panose="020B0604030504040204" pitchFamily="34" charset="0"/>
+                <a:cs typeface="Tahoma" panose="020B0604030504040204" pitchFamily="34" charset="0"/>
+              </a:rPr>
+              <a:t>you</a:t>
+            </a:r>
+            <a:endParaRPr lang="en-US" sz="6000" dirty="0">
+              <a:latin typeface="Coluna Rounded" panose="02000506000000020003" pitchFamily="50" charset="0"/>
+              <a:ea typeface="Tahoma" panose="020B0604030504040204" pitchFamily="34" charset="0"/>
+              <a:cs typeface="Tahoma" panose="020B0604030504040204" pitchFamily="34" charset="0"/>
+            </a:endParaRPr>
+          </a:p>
+        </p:txBody>
+      </p:sp>
     </p:spTree>
     <p:extLst>
       <p:ext uri="{BB962C8B-B14F-4D97-AF65-F5344CB8AC3E}">
@@ -3973,6 +3912,18 @@
         </p:nvPicPr>
         <p:blipFill>
           <a:blip r:embed="rId2" cstate="print">
+            <a:clrChange>
+              <a:clrFrom>
+                <a:srgbClr val="AAB8CE">
+                  <a:alpha val="87451"/>
+                </a:srgbClr>
+              </a:clrFrom>
+              <a:clrTo>
+                <a:srgbClr val="AAB8CE">
+                  <a:alpha val="0"/>
+                </a:srgbClr>
+              </a:clrTo>
+            </a:clrChange>
             <a:extLst>
               <a:ext uri="{28A0092B-C50C-407E-A947-70E740481C1C}">
                 <a14:useLocalDpi xmlns:a14="http://schemas.microsoft.com/office/drawing/2010/main" val="0"/>
@@ -3985,12 +3936,16 @@
         </p:blipFill>
         <p:spPr>
           <a:xfrm>
-            <a:off x="4505325" y="2477501"/>
+            <a:off x="4648002" y="2296120"/>
             <a:ext cx="6915150" cy="4471081"/>
           </a:xfrm>
           <a:prstGeom prst="rect">
             <a:avLst/>
           </a:prstGeom>
+          <a:noFill/>
+          <a:effectLst>
+            <a:reflection stA="0" endPos="65000" dist="50800" dir="5400000" sy="-100000" algn="bl" rotWithShape="0"/>
+          </a:effectLst>
         </p:spPr>
       </p:pic>
       <p:sp>
@@ -4037,23 +3992,24 @@
         <p:spPr>
           <a:xfrm>
             <a:off x="838200" y="1690688"/>
-            <a:ext cx="10515600" cy="4095844"/>
-          </a:xfrm>
-        </p:spPr>
-        <p:txBody>
-          <a:bodyPr/>
+            <a:ext cx="4019154" cy="4095844"/>
+          </a:xfrm>
+        </p:spPr>
+        <p:txBody>
+          <a:bodyPr>
+            <a:normAutofit fontScale="92500" lnSpcReduction="20000"/>
+          </a:bodyPr>
           <a:lstStyle/>
           <a:p>
             <a:pPr marL="0" indent="0">
+              <a:lnSpc>
+                <a:spcPct val="160000"/>
+              </a:lnSpc>
               <a:buNone/>
             </a:pPr>
             <a:r>
               <a:rPr lang="en-US" dirty="0" smtClean="0"/>
-              <a:t>The  aims to create a resilient and fault-proof data pipeline for obtaining economic data from EconDB.com and making it available for </a:t>
-            </a:r>
-            <a:r>
-              <a:rPr lang="en-US" dirty="0" smtClean="0"/>
-              <a:t>creating dashboards.</a:t>
+              <a:t>The  aims is to create a resilient and fault-proof data pipeline for obtaining economic data from EconDB.com and making it available for creating dashboards.</a:t>
             </a:r>
             <a:endParaRPr lang="en-US" dirty="0"/>
           </a:p>
@@ -4220,8 +4176,8 @@
         </p:blipFill>
         <p:spPr bwMode="auto">
           <a:xfrm>
-            <a:off x="771525" y="3415004"/>
-            <a:ext cx="3364871" cy="1126106"/>
+            <a:off x="838200" y="5864827"/>
+            <a:ext cx="2129287" cy="712598"/>
           </a:xfrm>
           <a:prstGeom prst="rect">
             <a:avLst/>
@@ -4236,6 +4192,36 @@
               </a14:hiddenFill>
             </a:ext>
           </a:extLst>
+        </p:spPr>
+      </p:pic>
+      <p:pic>
+        <p:nvPicPr>
+          <p:cNvPr id="8" name="Picture 7"/>
+          <p:cNvPicPr>
+            <a:picLocks noChangeAspect="1"/>
+          </p:cNvPicPr>
+          <p:nvPr/>
+        </p:nvPicPr>
+        <p:blipFill>
+          <a:blip r:embed="rId4">
+            <a:extLst>
+              <a:ext uri="{28A0092B-C50C-407E-A947-70E740481C1C}">
+                <a14:useLocalDpi xmlns:a14="http://schemas.microsoft.com/office/drawing/2010/main" val="0"/>
+              </a:ext>
+            </a:extLst>
+          </a:blip>
+          <a:stretch>
+            <a:fillRect/>
+          </a:stretch>
+        </p:blipFill>
+        <p:spPr>
+          <a:xfrm>
+            <a:off x="5059898" y="1806740"/>
+            <a:ext cx="6712606" cy="2778374"/>
+          </a:xfrm>
+          <a:prstGeom prst="rect">
+            <a:avLst/>
+          </a:prstGeom>
         </p:spPr>
       </p:pic>
     </p:spTree>
@@ -4251,7 +4237,121 @@
   <p:timing>
     <p:tnLst>
       <p:par>
-        <p:cTn id="1" dur="indefinite" restart="never" nodeType="tmRoot"/>
+        <p:cTn id="1" dur="indefinite" restart="never" nodeType="tmRoot">
+          <p:childTnLst>
+            <p:seq concurrent="1" nextAc="seek">
+              <p:cTn id="2" dur="indefinite" nodeType="mainSeq">
+                <p:childTnLst>
+                  <p:par>
+                    <p:cTn id="3" fill="hold">
+                      <p:stCondLst>
+                        <p:cond delay="indefinite"/>
+                      </p:stCondLst>
+                      <p:childTnLst>
+                        <p:par>
+                          <p:cTn id="4" fill="hold">
+                            <p:stCondLst>
+                              <p:cond delay="0"/>
+                            </p:stCondLst>
+                            <p:childTnLst>
+                              <p:par>
+                                <p:cTn id="5" presetID="2" presetClass="entr" presetSubtype="4" fill="hold" nodeType="clickEffect">
+                                  <p:stCondLst>
+                                    <p:cond delay="0"/>
+                                  </p:stCondLst>
+                                  <p:childTnLst>
+                                    <p:set>
+                                      <p:cBhvr>
+                                        <p:cTn id="6" dur="1" fill="hold">
+                                          <p:stCondLst>
+                                            <p:cond delay="0"/>
+                                          </p:stCondLst>
+                                        </p:cTn>
+                                        <p:tgtEl>
+                                          <p:spTgt spid="8"/>
+                                        </p:tgtEl>
+                                        <p:attrNameLst>
+                                          <p:attrName>style.visibility</p:attrName>
+                                        </p:attrNameLst>
+                                      </p:cBhvr>
+                                      <p:to>
+                                        <p:strVal val="visible"/>
+                                      </p:to>
+                                    </p:set>
+                                    <p:anim calcmode="lin" valueType="num">
+                                      <p:cBhvr additive="base">
+                                        <p:cTn id="7" dur="500" fill="hold"/>
+                                        <p:tgtEl>
+                                          <p:spTgt spid="8"/>
+                                        </p:tgtEl>
+                                        <p:attrNameLst>
+                                          <p:attrName>ppt_x</p:attrName>
+                                        </p:attrNameLst>
+                                      </p:cBhvr>
+                                      <p:tavLst>
+                                        <p:tav tm="0">
+                                          <p:val>
+                                            <p:strVal val="#ppt_x"/>
+                                          </p:val>
+                                        </p:tav>
+                                        <p:tav tm="100000">
+                                          <p:val>
+                                            <p:strVal val="#ppt_x"/>
+                                          </p:val>
+                                        </p:tav>
+                                      </p:tavLst>
+                                    </p:anim>
+                                    <p:anim calcmode="lin" valueType="num">
+                                      <p:cBhvr additive="base">
+                                        <p:cTn id="8" dur="500" fill="hold"/>
+                                        <p:tgtEl>
+                                          <p:spTgt spid="8"/>
+                                        </p:tgtEl>
+                                        <p:attrNameLst>
+                                          <p:attrName>ppt_y</p:attrName>
+                                        </p:attrNameLst>
+                                      </p:cBhvr>
+                                      <p:tavLst>
+                                        <p:tav tm="0">
+                                          <p:val>
+                                            <p:strVal val="1+#ppt_h/2"/>
+                                          </p:val>
+                                        </p:tav>
+                                        <p:tav tm="100000">
+                                          <p:val>
+                                            <p:strVal val="#ppt_y"/>
+                                          </p:val>
+                                        </p:tav>
+                                      </p:tavLst>
+                                    </p:anim>
+                                  </p:childTnLst>
+                                </p:cTn>
+                              </p:par>
+                            </p:childTnLst>
+                          </p:cTn>
+                        </p:par>
+                      </p:childTnLst>
+                    </p:cTn>
+                  </p:par>
+                </p:childTnLst>
+              </p:cTn>
+              <p:prevCondLst>
+                <p:cond evt="onPrev" delay="0">
+                  <p:tgtEl>
+                    <p:sldTgt/>
+                  </p:tgtEl>
+                </p:cond>
+              </p:prevCondLst>
+              <p:nextCondLst>
+                <p:cond evt="onNext" delay="0">
+                  <p:tgtEl>
+                    <p:sldTgt/>
+                  </p:tgtEl>
+                </p:cond>
+              </p:nextCondLst>
+            </p:seq>
+          </p:childTnLst>
+        </p:cTn>
       </p:par>
     </p:tnLst>
   </p:timing>
@@ -4873,8 +4973,8 @@
         </p:nvSpPr>
         <p:spPr bwMode="auto">
           <a:xfrm>
-            <a:off x="838200" y="1027906"/>
-            <a:ext cx="7047378" cy="2610843"/>
+            <a:off x="915522" y="741430"/>
+            <a:ext cx="7047378" cy="3323987"/>
           </a:xfrm>
           <a:prstGeom prst="rect">
             <a:avLst/>
@@ -5037,6 +5137,37 @@
               <a:t> </a:t>
             </a:r>
           </a:p>
+          <a:p>
+            <a:pPr marL="0" marR="0" lvl="0" indent="0" algn="l" defTabSz="914400" rtl="0" eaLnBrk="0" fontAlgn="base" latinLnBrk="0" hangingPunct="0">
+              <a:lnSpc>
+                <a:spcPct val="150000"/>
+              </a:lnSpc>
+              <a:spcBef>
+                <a:spcPct val="0"/>
+              </a:spcBef>
+              <a:spcAft>
+                <a:spcPct val="0"/>
+              </a:spcAft>
+              <a:buClrTx/>
+              <a:buSzTx/>
+              <a:buFontTx/>
+              <a:buChar char="•"/>
+              <a:tabLst/>
+            </a:pPr>
+            <a:r>
+              <a:rPr lang="en-US" altLang="en-US" dirty="0" smtClean="0"/>
+              <a:t>Data Transformation</a:t>
+            </a:r>
+            <a:endParaRPr kumimoji="0" lang="en-US" altLang="en-US" b="0" i="0" u="none" strike="noStrike" cap="none" normalizeH="0" baseline="0" dirty="0" smtClean="0">
+              <a:ln>
+                <a:noFill/>
+              </a:ln>
+              <a:solidFill>
+                <a:schemeClr val="tx1"/>
+              </a:solidFill>
+              <a:effectLst/>
+            </a:endParaRPr>
+          </a:p>
         </p:txBody>
       </p:sp>
       <p:pic>
@@ -5062,7 +5193,7 @@
         </p:blipFill>
         <p:spPr bwMode="auto">
           <a:xfrm>
-            <a:off x="5772603" y="3319202"/>
+            <a:off x="6226628" y="3116158"/>
             <a:ext cx="5829300" cy="3276601"/>
           </a:xfrm>
           <a:prstGeom prst="rect">
@@ -5219,6 +5350,1504 @@
           </a:p>
         </p:txBody>
       </p:sp>
+      <p:graphicFrame>
+        <p:nvGraphicFramePr>
+          <p:cNvPr id="3" name="Table 2"/>
+          <p:cNvGraphicFramePr>
+            <a:graphicFrameLocks noGrp="1"/>
+          </p:cNvGraphicFramePr>
+          <p:nvPr>
+            <p:extLst>
+              <p:ext uri="{D42A27DB-BD31-4B8C-83A1-F6EECF244321}">
+                <p14:modId xmlns:p14="http://schemas.microsoft.com/office/powerpoint/2010/main" val="244029142"/>
+              </p:ext>
+            </p:extLst>
+          </p:nvPr>
+        </p:nvGraphicFramePr>
+        <p:xfrm>
+          <a:off x="838199" y="4033664"/>
+          <a:ext cx="5388429" cy="2763520"/>
+        </p:xfrm>
+        <a:graphic>
+          <a:graphicData uri="http://schemas.openxmlformats.org/drawingml/2006/table">
+            <a:tbl>
+              <a:tblPr firstRow="1" bandRow="1">
+                <a:effectLst>
+                  <a:outerShdw blurRad="190500" dist="63500" dir="18900000" algn="bl" rotWithShape="0">
+                    <a:prstClr val="black">
+                      <a:alpha val="29000"/>
+                    </a:prstClr>
+                  </a:outerShdw>
+                </a:effectLst>
+                <a:tableStyleId>{5C22544A-7EE6-4342-B048-85BDC9FD1C3A}</a:tableStyleId>
+              </a:tblPr>
+              <a:tblGrid>
+                <a:gridCol w="1295401">
+                  <a:extLst>
+                    <a:ext uri="{9D8B030D-6E8A-4147-A177-3AD203B41FA5}">
+                      <a16:colId xmlns:a16="http://schemas.microsoft.com/office/drawing/2014/main" val="1490146121"/>
+                    </a:ext>
+                  </a:extLst>
+                </a:gridCol>
+                <a:gridCol w="1062240">
+                  <a:extLst>
+                    <a:ext uri="{9D8B030D-6E8A-4147-A177-3AD203B41FA5}">
+                      <a16:colId xmlns:a16="http://schemas.microsoft.com/office/drawing/2014/main" val="1285265994"/>
+                    </a:ext>
+                  </a:extLst>
+                </a:gridCol>
+                <a:gridCol w="1129417">
+                  <a:extLst>
+                    <a:ext uri="{9D8B030D-6E8A-4147-A177-3AD203B41FA5}">
+                      <a16:colId xmlns:a16="http://schemas.microsoft.com/office/drawing/2014/main" val="2538108227"/>
+                    </a:ext>
+                  </a:extLst>
+                </a:gridCol>
+                <a:gridCol w="769703">
+                  <a:extLst>
+                    <a:ext uri="{9D8B030D-6E8A-4147-A177-3AD203B41FA5}">
+                      <a16:colId xmlns:a16="http://schemas.microsoft.com/office/drawing/2014/main" val="3038206809"/>
+                    </a:ext>
+                  </a:extLst>
+                </a:gridCol>
+                <a:gridCol w="1131668">
+                  <a:extLst>
+                    <a:ext uri="{9D8B030D-6E8A-4147-A177-3AD203B41FA5}">
+                      <a16:colId xmlns:a16="http://schemas.microsoft.com/office/drawing/2014/main" val="2378255891"/>
+                    </a:ext>
+                  </a:extLst>
+                </a:gridCol>
+              </a:tblGrid>
+              <a:tr h="370840">
+                <a:tc>
+                  <a:txBody>
+                    <a:bodyPr/>
+                    <a:lstStyle/>
+                    <a:p>
+                      <a:pPr marL="0" marR="0" lvl="0" indent="0" algn="ctr" defTabSz="914400" rtl="0" eaLnBrk="1" fontAlgn="auto" latinLnBrk="0" hangingPunct="1">
+                        <a:lnSpc>
+                          <a:spcPct val="100000"/>
+                        </a:lnSpc>
+                        <a:spcBef>
+                          <a:spcPts val="0"/>
+                        </a:spcBef>
+                        <a:spcAft>
+                          <a:spcPts val="0"/>
+                        </a:spcAft>
+                        <a:buClrTx/>
+                        <a:buSzTx/>
+                        <a:buFontTx/>
+                        <a:buNone/>
+                        <a:tabLst/>
+                        <a:defRPr/>
+                      </a:pPr>
+                      <a:r>
+                        <a:rPr lang="en-US" sz="1800" b="1" kern="1200" dirty="0" smtClean="0">
+                          <a:solidFill>
+                            <a:schemeClr val="lt1"/>
+                          </a:solidFill>
+                          <a:effectLst/>
+                          <a:latin typeface="+mn-lt"/>
+                          <a:ea typeface="+mn-ea"/>
+                          <a:cs typeface="+mn-cs"/>
+                        </a:rPr>
+                        <a:t>Date</a:t>
+                      </a:r>
+                    </a:p>
+                  </a:txBody>
+                  <a:tcPr>
+                    <a:solidFill>
+                      <a:srgbClr val="FE7553"/>
+                    </a:solidFill>
+                  </a:tcPr>
+                </a:tc>
+                <a:tc>
+                  <a:txBody>
+                    <a:bodyPr/>
+                    <a:lstStyle/>
+                    <a:p>
+                      <a:pPr algn="ctr"/>
+                      <a:r>
+                        <a:rPr lang="en-US" sz="1800" b="1" kern="1200" dirty="0" smtClean="0">
+                          <a:solidFill>
+                            <a:schemeClr val="dk1"/>
+                          </a:solidFill>
+                          <a:effectLst/>
+                          <a:latin typeface="+mn-lt"/>
+                          <a:ea typeface="+mn-ea"/>
+                          <a:cs typeface="+mn-cs"/>
+                        </a:rPr>
+                        <a:t>CNY</a:t>
+                      </a:r>
+                      <a:endParaRPr lang="en-US" b="1" dirty="0"/>
+                    </a:p>
+                  </a:txBody>
+                  <a:tcPr>
+                    <a:solidFill>
+                      <a:srgbClr val="FE7553"/>
+                    </a:solidFill>
+                  </a:tcPr>
+                </a:tc>
+                <a:tc>
+                  <a:txBody>
+                    <a:bodyPr/>
+                    <a:lstStyle/>
+                    <a:p>
+                      <a:pPr marL="0" marR="0" lvl="0" indent="0" algn="ctr" defTabSz="914400" rtl="0" eaLnBrk="1" fontAlgn="auto" latinLnBrk="0" hangingPunct="1">
+                        <a:lnSpc>
+                          <a:spcPct val="100000"/>
+                        </a:lnSpc>
+                        <a:spcBef>
+                          <a:spcPts val="0"/>
+                        </a:spcBef>
+                        <a:spcAft>
+                          <a:spcPts val="0"/>
+                        </a:spcAft>
+                        <a:buClrTx/>
+                        <a:buSzTx/>
+                        <a:buFontTx/>
+                        <a:buNone/>
+                        <a:tabLst/>
+                        <a:defRPr/>
+                      </a:pPr>
+                      <a:r>
+                        <a:rPr lang="en-US" sz="1800" b="1" kern="1200" dirty="0" smtClean="0">
+                          <a:solidFill>
+                            <a:schemeClr val="lt1"/>
+                          </a:solidFill>
+                          <a:effectLst/>
+                          <a:latin typeface="+mn-lt"/>
+                          <a:ea typeface="+mn-ea"/>
+                          <a:cs typeface="+mn-cs"/>
+                        </a:rPr>
+                        <a:t>USD</a:t>
+                      </a:r>
+                    </a:p>
+                  </a:txBody>
+                  <a:tcPr>
+                    <a:solidFill>
+                      <a:srgbClr val="FE7553"/>
+                    </a:solidFill>
+                  </a:tcPr>
+                </a:tc>
+                <a:tc>
+                  <a:txBody>
+                    <a:bodyPr/>
+                    <a:lstStyle/>
+                    <a:p>
+                      <a:pPr marL="0" marR="0" lvl="0" indent="0" algn="ctr" defTabSz="914400" rtl="0" eaLnBrk="1" fontAlgn="auto" latinLnBrk="0" hangingPunct="1">
+                        <a:lnSpc>
+                          <a:spcPct val="100000"/>
+                        </a:lnSpc>
+                        <a:spcBef>
+                          <a:spcPts val="0"/>
+                        </a:spcBef>
+                        <a:spcAft>
+                          <a:spcPts val="0"/>
+                        </a:spcAft>
+                        <a:buClrTx/>
+                        <a:buSzTx/>
+                        <a:buFontTx/>
+                        <a:buNone/>
+                        <a:tabLst/>
+                        <a:defRPr/>
+                      </a:pPr>
+                      <a:r>
+                        <a:rPr lang="en-US" sz="1800" b="1" kern="1200" dirty="0" smtClean="0">
+                          <a:solidFill>
+                            <a:schemeClr val="lt1"/>
+                          </a:solidFill>
+                          <a:effectLst/>
+                          <a:latin typeface="+mn-lt"/>
+                          <a:ea typeface="+mn-ea"/>
+                          <a:cs typeface="+mn-cs"/>
+                        </a:rPr>
+                        <a:t>…</a:t>
+                      </a:r>
+                    </a:p>
+                  </a:txBody>
+                  <a:tcPr>
+                    <a:solidFill>
+                      <a:srgbClr val="FE7553"/>
+                    </a:solidFill>
+                  </a:tcPr>
+                </a:tc>
+                <a:tc>
+                  <a:txBody>
+                    <a:bodyPr/>
+                    <a:lstStyle/>
+                    <a:p>
+                      <a:pPr marL="0" marR="0" lvl="0" indent="0" algn="ctr" defTabSz="914400" rtl="0" eaLnBrk="1" fontAlgn="auto" latinLnBrk="0" hangingPunct="1">
+                        <a:lnSpc>
+                          <a:spcPct val="100000"/>
+                        </a:lnSpc>
+                        <a:spcBef>
+                          <a:spcPts val="0"/>
+                        </a:spcBef>
+                        <a:spcAft>
+                          <a:spcPts val="0"/>
+                        </a:spcAft>
+                        <a:buClrTx/>
+                        <a:buSzTx/>
+                        <a:buFontTx/>
+                        <a:buNone/>
+                        <a:tabLst/>
+                        <a:defRPr/>
+                      </a:pPr>
+                      <a:r>
+                        <a:rPr lang="en-US" sz="1800" b="1" kern="1200" dirty="0" smtClean="0">
+                          <a:solidFill>
+                            <a:schemeClr val="lt1"/>
+                          </a:solidFill>
+                          <a:effectLst/>
+                          <a:latin typeface="+mn-lt"/>
+                          <a:ea typeface="+mn-ea"/>
+                          <a:cs typeface="+mn-cs"/>
+                        </a:rPr>
+                        <a:t>ZAR</a:t>
+                      </a:r>
+                    </a:p>
+                  </a:txBody>
+                  <a:tcPr>
+                    <a:solidFill>
+                      <a:srgbClr val="FE7553"/>
+                    </a:solidFill>
+                  </a:tcPr>
+                </a:tc>
+                <a:extLst>
+                  <a:ext uri="{0D108BD9-81ED-4DB2-BD59-A6C34878D82A}">
+                    <a16:rowId xmlns:a16="http://schemas.microsoft.com/office/drawing/2014/main" val="2569986774"/>
+                  </a:ext>
+                </a:extLst>
+              </a:tr>
+              <a:tr h="370840">
+                <a:tc>
+                  <a:txBody>
+                    <a:bodyPr/>
+                    <a:lstStyle/>
+                    <a:p>
+                      <a:pPr marL="0" marR="0" lvl="0" indent="0" algn="ctr" defTabSz="914400" rtl="0" eaLnBrk="1" fontAlgn="auto" latinLnBrk="0" hangingPunct="1">
+                        <a:lnSpc>
+                          <a:spcPct val="100000"/>
+                        </a:lnSpc>
+                        <a:spcBef>
+                          <a:spcPts val="0"/>
+                        </a:spcBef>
+                        <a:spcAft>
+                          <a:spcPts val="0"/>
+                        </a:spcAft>
+                        <a:buClrTx/>
+                        <a:buSzTx/>
+                        <a:buFontTx/>
+                        <a:buNone/>
+                        <a:tabLst/>
+                        <a:defRPr/>
+                      </a:pPr>
+                      <a:r>
+                        <a:rPr lang="en-US" sz="1800" b="0" kern="1200" dirty="0" smtClean="0">
+                          <a:solidFill>
+                            <a:schemeClr val="dk1"/>
+                          </a:solidFill>
+                          <a:effectLst/>
+                          <a:latin typeface="+mn-lt"/>
+                          <a:ea typeface="+mn-ea"/>
+                          <a:cs typeface="+mn-cs"/>
+                        </a:rPr>
+                        <a:t>2014-01-01</a:t>
+                      </a:r>
+                    </a:p>
+                    <a:p>
+                      <a:pPr algn="ctr"/>
+                      <a:endParaRPr lang="en-US" dirty="0"/>
+                    </a:p>
+                  </a:txBody>
+                  <a:tcPr/>
+                </a:tc>
+                <a:tc>
+                  <a:txBody>
+                    <a:bodyPr/>
+                    <a:lstStyle/>
+                    <a:p>
+                      <a:pPr marL="0" marR="0" lvl="0" indent="0" algn="ctr" defTabSz="914400" rtl="0" eaLnBrk="1" fontAlgn="auto" latinLnBrk="0" hangingPunct="1">
+                        <a:lnSpc>
+                          <a:spcPct val="100000"/>
+                        </a:lnSpc>
+                        <a:spcBef>
+                          <a:spcPts val="0"/>
+                        </a:spcBef>
+                        <a:spcAft>
+                          <a:spcPts val="0"/>
+                        </a:spcAft>
+                        <a:buClrTx/>
+                        <a:buSzTx/>
+                        <a:buFontTx/>
+                        <a:buNone/>
+                        <a:tabLst/>
+                        <a:defRPr/>
+                      </a:pPr>
+                      <a:r>
+                        <a:rPr lang="en-US" sz="1800" b="0" kern="1200" dirty="0" smtClean="0">
+                          <a:solidFill>
+                            <a:schemeClr val="dk1"/>
+                          </a:solidFill>
+                          <a:effectLst/>
+                          <a:latin typeface="+mn-lt"/>
+                          <a:ea typeface="+mn-ea"/>
+                          <a:cs typeface="+mn-cs"/>
+                        </a:rPr>
+                        <a:t>18509.82</a:t>
+                      </a:r>
+                    </a:p>
+                  </a:txBody>
+                  <a:tcPr/>
+                </a:tc>
+                <a:tc>
+                  <a:txBody>
+                    <a:bodyPr/>
+                    <a:lstStyle/>
+                    <a:p>
+                      <a:pPr algn="ctr"/>
+                      <a:r>
+                        <a:rPr lang="en-US" sz="1800" b="0" kern="1200" dirty="0" smtClean="0">
+                          <a:solidFill>
+                            <a:schemeClr val="dk1"/>
+                          </a:solidFill>
+                          <a:effectLst/>
+                          <a:latin typeface="+mn-lt"/>
+                          <a:ea typeface="+mn-ea"/>
+                          <a:cs typeface="+mn-cs"/>
+                        </a:rPr>
+                        <a:t>13653.70</a:t>
+                      </a:r>
+                      <a:endParaRPr lang="en-US" dirty="0"/>
+                    </a:p>
+                  </a:txBody>
+                  <a:tcPr/>
+                </a:tc>
+                <a:tc>
+                  <a:txBody>
+                    <a:bodyPr/>
+                    <a:lstStyle/>
+                    <a:p>
+                      <a:pPr algn="ctr"/>
+                      <a:r>
+                        <a:rPr lang="en-US" dirty="0" smtClean="0"/>
+                        <a:t>…</a:t>
+                      </a:r>
+                      <a:endParaRPr lang="en-US" dirty="0"/>
+                    </a:p>
+                  </a:txBody>
+                  <a:tcPr/>
+                </a:tc>
+                <a:tc>
+                  <a:txBody>
+                    <a:bodyPr/>
+                    <a:lstStyle/>
+                    <a:p>
+                      <a:pPr marL="0" marR="0" lvl="0" indent="0" algn="ctr" defTabSz="914400" rtl="0" eaLnBrk="1" fontAlgn="auto" latinLnBrk="0" hangingPunct="1">
+                        <a:lnSpc>
+                          <a:spcPct val="100000"/>
+                        </a:lnSpc>
+                        <a:spcBef>
+                          <a:spcPts val="0"/>
+                        </a:spcBef>
+                        <a:spcAft>
+                          <a:spcPts val="0"/>
+                        </a:spcAft>
+                        <a:buClrTx/>
+                        <a:buSzTx/>
+                        <a:buFontTx/>
+                        <a:buNone/>
+                        <a:tabLst/>
+                        <a:defRPr/>
+                      </a:pPr>
+                      <a:r>
+                        <a:rPr lang="en-US" sz="1800" b="0" kern="1200" dirty="0" smtClean="0">
+                          <a:solidFill>
+                            <a:schemeClr val="dk1"/>
+                          </a:solidFill>
+                          <a:effectLst/>
+                          <a:latin typeface="+mn-lt"/>
+                          <a:ea typeface="+mn-ea"/>
+                          <a:cs typeface="+mn-cs"/>
+                        </a:rPr>
+                        <a:t>226.24</a:t>
+                      </a:r>
+                    </a:p>
+                  </a:txBody>
+                  <a:tcPr/>
+                </a:tc>
+                <a:extLst>
+                  <a:ext uri="{0D108BD9-81ED-4DB2-BD59-A6C34878D82A}">
+                    <a16:rowId xmlns:a16="http://schemas.microsoft.com/office/drawing/2014/main" val="3902973627"/>
+                  </a:ext>
+                </a:extLst>
+              </a:tr>
+              <a:tr h="370840">
+                <a:tc>
+                  <a:txBody>
+                    <a:bodyPr/>
+                    <a:lstStyle/>
+                    <a:p>
+                      <a:pPr marL="0" marR="0" lvl="0" indent="0" algn="ctr" defTabSz="914400" rtl="0" eaLnBrk="1" fontAlgn="auto" latinLnBrk="0" hangingPunct="1">
+                        <a:lnSpc>
+                          <a:spcPct val="100000"/>
+                        </a:lnSpc>
+                        <a:spcBef>
+                          <a:spcPts val="0"/>
+                        </a:spcBef>
+                        <a:spcAft>
+                          <a:spcPts val="0"/>
+                        </a:spcAft>
+                        <a:buClrTx/>
+                        <a:buSzTx/>
+                        <a:buFontTx/>
+                        <a:buNone/>
+                        <a:tabLst/>
+                        <a:defRPr/>
+                      </a:pPr>
+                      <a:r>
+                        <a:rPr lang="en-US" sz="1800" b="0" kern="1200" dirty="0" smtClean="0">
+                          <a:solidFill>
+                            <a:schemeClr val="dk1"/>
+                          </a:solidFill>
+                          <a:effectLst/>
+                          <a:latin typeface="+mn-lt"/>
+                          <a:ea typeface="+mn-ea"/>
+                          <a:cs typeface="+mn-cs"/>
+                        </a:rPr>
+                        <a:t>2014-02-01</a:t>
+                      </a:r>
+                    </a:p>
+                    <a:p>
+                      <a:pPr algn="ctr"/>
+                      <a:endParaRPr lang="en-US" dirty="0"/>
+                    </a:p>
+                  </a:txBody>
+                  <a:tcPr/>
+                </a:tc>
+                <a:tc>
+                  <a:txBody>
+                    <a:bodyPr/>
+                    <a:lstStyle/>
+                    <a:p>
+                      <a:pPr algn="ctr"/>
+                      <a:r>
+                        <a:rPr lang="en-US" sz="1800" b="0" kern="1200" dirty="0" smtClean="0">
+                          <a:solidFill>
+                            <a:schemeClr val="dk1"/>
+                          </a:solidFill>
+                          <a:effectLst/>
+                          <a:latin typeface="+mn-lt"/>
+                          <a:ea typeface="+mn-ea"/>
+                          <a:cs typeface="+mn-cs"/>
+                        </a:rPr>
+                        <a:t>18426.40</a:t>
+                      </a:r>
+                      <a:endParaRPr lang="en-US" dirty="0"/>
+                    </a:p>
+                  </a:txBody>
+                  <a:tcPr/>
+                </a:tc>
+                <a:tc>
+                  <a:txBody>
+                    <a:bodyPr/>
+                    <a:lstStyle/>
+                    <a:p>
+                      <a:pPr algn="ctr"/>
+                      <a:endParaRPr lang="en-US"/>
+                    </a:p>
+                  </a:txBody>
+                  <a:tcPr/>
+                </a:tc>
+                <a:tc>
+                  <a:txBody>
+                    <a:bodyPr/>
+                    <a:lstStyle/>
+                    <a:p>
+                      <a:pPr algn="ctr"/>
+                      <a:endParaRPr lang="en-US"/>
+                    </a:p>
+                  </a:txBody>
+                  <a:tcPr/>
+                </a:tc>
+                <a:tc>
+                  <a:txBody>
+                    <a:bodyPr/>
+                    <a:lstStyle/>
+                    <a:p>
+                      <a:pPr algn="ctr"/>
+                      <a:endParaRPr lang="en-US"/>
+                    </a:p>
+                  </a:txBody>
+                  <a:tcPr/>
+                </a:tc>
+                <a:extLst>
+                  <a:ext uri="{0D108BD9-81ED-4DB2-BD59-A6C34878D82A}">
+                    <a16:rowId xmlns:a16="http://schemas.microsoft.com/office/drawing/2014/main" val="1219139744"/>
+                  </a:ext>
+                </a:extLst>
+              </a:tr>
+              <a:tr h="370840">
+                <a:tc>
+                  <a:txBody>
+                    <a:bodyPr/>
+                    <a:lstStyle/>
+                    <a:p>
+                      <a:pPr algn="ctr"/>
+                      <a:r>
+                        <a:rPr lang="en-US" dirty="0" smtClean="0"/>
+                        <a:t>…</a:t>
+                      </a:r>
+                      <a:endParaRPr lang="en-US" dirty="0"/>
+                    </a:p>
+                  </a:txBody>
+                  <a:tcPr/>
+                </a:tc>
+                <a:tc>
+                  <a:txBody>
+                    <a:bodyPr/>
+                    <a:lstStyle/>
+                    <a:p>
+                      <a:pPr algn="ctr"/>
+                      <a:r>
+                        <a:rPr lang="en-US" dirty="0" smtClean="0"/>
+                        <a:t>…</a:t>
+                      </a:r>
+                      <a:endParaRPr lang="en-US" dirty="0"/>
+                    </a:p>
+                  </a:txBody>
+                  <a:tcPr/>
+                </a:tc>
+                <a:tc>
+                  <a:txBody>
+                    <a:bodyPr/>
+                    <a:lstStyle/>
+                    <a:p>
+                      <a:pPr algn="ctr"/>
+                      <a:endParaRPr lang="en-US"/>
+                    </a:p>
+                  </a:txBody>
+                  <a:tcPr/>
+                </a:tc>
+                <a:tc>
+                  <a:txBody>
+                    <a:bodyPr/>
+                    <a:lstStyle/>
+                    <a:p>
+                      <a:pPr algn="ctr"/>
+                      <a:endParaRPr lang="en-US"/>
+                    </a:p>
+                  </a:txBody>
+                  <a:tcPr/>
+                </a:tc>
+                <a:tc>
+                  <a:txBody>
+                    <a:bodyPr/>
+                    <a:lstStyle/>
+                    <a:p>
+                      <a:pPr algn="ctr"/>
+                      <a:endParaRPr lang="en-US"/>
+                    </a:p>
+                  </a:txBody>
+                  <a:tcPr/>
+                </a:tc>
+                <a:extLst>
+                  <a:ext uri="{0D108BD9-81ED-4DB2-BD59-A6C34878D82A}">
+                    <a16:rowId xmlns:a16="http://schemas.microsoft.com/office/drawing/2014/main" val="3814438826"/>
+                  </a:ext>
+                </a:extLst>
+              </a:tr>
+              <a:tr h="370840">
+                <a:tc>
+                  <a:txBody>
+                    <a:bodyPr/>
+                    <a:lstStyle/>
+                    <a:p>
+                      <a:r>
+                        <a:rPr lang="en-US" sz="1800" b="0" kern="1200" dirty="0" smtClean="0">
+                          <a:solidFill>
+                            <a:schemeClr val="dk1"/>
+                          </a:solidFill>
+                          <a:effectLst/>
+                          <a:latin typeface="+mn-lt"/>
+                          <a:ea typeface="+mn-ea"/>
+                          <a:cs typeface="+mn-cs"/>
+                        </a:rPr>
+                        <a:t>2024-02-01</a:t>
+                      </a:r>
+                      <a:endParaRPr lang="en-US" sz="1800" b="0" kern="1200" dirty="0">
+                        <a:solidFill>
+                          <a:schemeClr val="dk1"/>
+                        </a:solidFill>
+                        <a:effectLst/>
+                        <a:latin typeface="+mn-lt"/>
+                        <a:ea typeface="+mn-ea"/>
+                        <a:cs typeface="+mn-cs"/>
+                      </a:endParaRPr>
+                    </a:p>
+                  </a:txBody>
+                  <a:tcPr/>
+                </a:tc>
+                <a:tc>
+                  <a:txBody>
+                    <a:bodyPr/>
+                    <a:lstStyle/>
+                    <a:p>
+                      <a:pPr marL="0" marR="0" lvl="0" indent="0" algn="ctr" defTabSz="914400" rtl="0" eaLnBrk="1" fontAlgn="auto" latinLnBrk="0" hangingPunct="1">
+                        <a:lnSpc>
+                          <a:spcPct val="100000"/>
+                        </a:lnSpc>
+                        <a:spcBef>
+                          <a:spcPts val="0"/>
+                        </a:spcBef>
+                        <a:spcAft>
+                          <a:spcPts val="0"/>
+                        </a:spcAft>
+                        <a:buClrTx/>
+                        <a:buSzTx/>
+                        <a:buFontTx/>
+                        <a:buNone/>
+                        <a:tabLst/>
+                        <a:defRPr/>
+                      </a:pPr>
+                      <a:r>
+                        <a:rPr lang="en-US" sz="1800" b="0" kern="1200" dirty="0" smtClean="0">
+                          <a:solidFill>
+                            <a:schemeClr val="dk1"/>
+                          </a:solidFill>
+                          <a:effectLst/>
+                          <a:latin typeface="+mn-lt"/>
+                          <a:ea typeface="+mn-ea"/>
+                          <a:cs typeface="+mn-cs"/>
+                        </a:rPr>
+                        <a:t>41673.45</a:t>
+                      </a:r>
+                    </a:p>
+                  </a:txBody>
+                  <a:tcPr/>
+                </a:tc>
+                <a:tc>
+                  <a:txBody>
+                    <a:bodyPr/>
+                    <a:lstStyle/>
+                    <a:p>
+                      <a:pPr algn="ctr"/>
+                      <a:endParaRPr lang="en-US" dirty="0"/>
+                    </a:p>
+                  </a:txBody>
+                  <a:tcPr/>
+                </a:tc>
+                <a:tc>
+                  <a:txBody>
+                    <a:bodyPr/>
+                    <a:lstStyle/>
+                    <a:p>
+                      <a:pPr algn="ctr"/>
+                      <a:endParaRPr lang="en-US"/>
+                    </a:p>
+                  </a:txBody>
+                  <a:tcPr/>
+                </a:tc>
+                <a:tc>
+                  <a:txBody>
+                    <a:bodyPr/>
+                    <a:lstStyle/>
+                    <a:p>
+                      <a:pPr algn="ctr"/>
+                      <a:endParaRPr lang="en-US"/>
+                    </a:p>
+                  </a:txBody>
+                  <a:tcPr/>
+                </a:tc>
+                <a:extLst>
+                  <a:ext uri="{0D108BD9-81ED-4DB2-BD59-A6C34878D82A}">
+                    <a16:rowId xmlns:a16="http://schemas.microsoft.com/office/drawing/2014/main" val="290207990"/>
+                  </a:ext>
+                </a:extLst>
+              </a:tr>
+              <a:tr h="370840">
+                <a:tc>
+                  <a:txBody>
+                    <a:bodyPr/>
+                    <a:lstStyle/>
+                    <a:p>
+                      <a:r>
+                        <a:rPr lang="en-US" sz="1800" b="0" kern="1200" dirty="0" smtClean="0">
+                          <a:solidFill>
+                            <a:schemeClr val="dk1"/>
+                          </a:solidFill>
+                          <a:effectLst/>
+                          <a:latin typeface="+mn-lt"/>
+                          <a:ea typeface="+mn-ea"/>
+                          <a:cs typeface="+mn-cs"/>
+                        </a:rPr>
+                        <a:t>2024-03-01</a:t>
+                      </a:r>
+                      <a:endParaRPr lang="en-US" sz="1800" b="0" kern="1200" dirty="0">
+                        <a:solidFill>
+                          <a:schemeClr val="dk1"/>
+                        </a:solidFill>
+                        <a:effectLst/>
+                        <a:latin typeface="+mn-lt"/>
+                        <a:ea typeface="+mn-ea"/>
+                        <a:cs typeface="+mn-cs"/>
+                      </a:endParaRPr>
+                    </a:p>
+                  </a:txBody>
+                  <a:tcPr/>
+                </a:tc>
+                <a:tc>
+                  <a:txBody>
+                    <a:bodyPr/>
+                    <a:lstStyle/>
+                    <a:p>
+                      <a:pPr marL="0" marR="0" lvl="0" indent="0" algn="ctr" defTabSz="914400" rtl="0" eaLnBrk="1" fontAlgn="auto" latinLnBrk="0" hangingPunct="1">
+                        <a:lnSpc>
+                          <a:spcPct val="100000"/>
+                        </a:lnSpc>
+                        <a:spcBef>
+                          <a:spcPts val="0"/>
+                        </a:spcBef>
+                        <a:spcAft>
+                          <a:spcPts val="0"/>
+                        </a:spcAft>
+                        <a:buClrTx/>
+                        <a:buSzTx/>
+                        <a:buFontTx/>
+                        <a:buNone/>
+                        <a:tabLst/>
+                        <a:defRPr/>
+                      </a:pPr>
+                      <a:r>
+                        <a:rPr lang="en-US" sz="1800" b="0" kern="1200" dirty="0" smtClean="0">
+                          <a:solidFill>
+                            <a:schemeClr val="dk1"/>
+                          </a:solidFill>
+                          <a:effectLst/>
+                          <a:latin typeface="+mn-lt"/>
+                          <a:ea typeface="+mn-ea"/>
+                          <a:cs typeface="+mn-cs"/>
+                        </a:rPr>
+                        <a:t>42207.80</a:t>
+                      </a:r>
+                    </a:p>
+                  </a:txBody>
+                  <a:tcPr/>
+                </a:tc>
+                <a:tc>
+                  <a:txBody>
+                    <a:bodyPr/>
+                    <a:lstStyle/>
+                    <a:p>
+                      <a:pPr algn="ctr"/>
+                      <a:endParaRPr lang="en-US" dirty="0"/>
+                    </a:p>
+                  </a:txBody>
+                  <a:tcPr/>
+                </a:tc>
+                <a:tc>
+                  <a:txBody>
+                    <a:bodyPr/>
+                    <a:lstStyle/>
+                    <a:p>
+                      <a:pPr algn="ctr"/>
+                      <a:endParaRPr lang="en-US" dirty="0"/>
+                    </a:p>
+                  </a:txBody>
+                  <a:tcPr/>
+                </a:tc>
+                <a:tc>
+                  <a:txBody>
+                    <a:bodyPr/>
+                    <a:lstStyle/>
+                    <a:p>
+                      <a:pPr algn="ctr"/>
+                      <a:endParaRPr lang="en-US" dirty="0"/>
+                    </a:p>
+                  </a:txBody>
+                  <a:tcPr/>
+                </a:tc>
+                <a:extLst>
+                  <a:ext uri="{0D108BD9-81ED-4DB2-BD59-A6C34878D82A}">
+                    <a16:rowId xmlns:a16="http://schemas.microsoft.com/office/drawing/2014/main" val="2419483235"/>
+                  </a:ext>
+                </a:extLst>
+              </a:tr>
+            </a:tbl>
+          </a:graphicData>
+        </a:graphic>
+      </p:graphicFrame>
+      <p:graphicFrame>
+        <p:nvGraphicFramePr>
+          <p:cNvPr id="9" name="Table 8"/>
+          <p:cNvGraphicFramePr>
+            <a:graphicFrameLocks noGrp="1"/>
+          </p:cNvGraphicFramePr>
+          <p:nvPr>
+            <p:extLst>
+              <p:ext uri="{D42A27DB-BD31-4B8C-83A1-F6EECF244321}">
+                <p14:modId xmlns:p14="http://schemas.microsoft.com/office/powerpoint/2010/main" val="603005859"/>
+              </p:ext>
+            </p:extLst>
+          </p:nvPr>
+        </p:nvGraphicFramePr>
+        <p:xfrm>
+          <a:off x="2748953" y="4691016"/>
+          <a:ext cx="3543414" cy="2225040"/>
+        </p:xfrm>
+        <a:graphic>
+          <a:graphicData uri="http://schemas.openxmlformats.org/drawingml/2006/table">
+            <a:tbl>
+              <a:tblPr firstRow="1" bandRow="1">
+                <a:effectLst>
+                  <a:outerShdw blurRad="114300" dist="76200" dir="13500000" algn="br" rotWithShape="0">
+                    <a:prstClr val="black">
+                      <a:alpha val="44000"/>
+                    </a:prstClr>
+                  </a:outerShdw>
+                </a:effectLst>
+                <a:tableStyleId>{5C22544A-7EE6-4342-B048-85BDC9FD1C3A}</a:tableStyleId>
+              </a:tblPr>
+              <a:tblGrid>
+                <a:gridCol w="1425235">
+                  <a:extLst>
+                    <a:ext uri="{9D8B030D-6E8A-4147-A177-3AD203B41FA5}">
+                      <a16:colId xmlns:a16="http://schemas.microsoft.com/office/drawing/2014/main" val="1490146121"/>
+                    </a:ext>
+                  </a:extLst>
+                </a:gridCol>
+                <a:gridCol w="937041">
+                  <a:extLst>
+                    <a:ext uri="{9D8B030D-6E8A-4147-A177-3AD203B41FA5}">
+                      <a16:colId xmlns:a16="http://schemas.microsoft.com/office/drawing/2014/main" val="1285265994"/>
+                    </a:ext>
+                  </a:extLst>
+                </a:gridCol>
+                <a:gridCol w="1181138">
+                  <a:extLst>
+                    <a:ext uri="{9D8B030D-6E8A-4147-A177-3AD203B41FA5}">
+                      <a16:colId xmlns:a16="http://schemas.microsoft.com/office/drawing/2014/main" val="2538108227"/>
+                    </a:ext>
+                  </a:extLst>
+                </a:gridCol>
+              </a:tblGrid>
+              <a:tr h="370840">
+                <a:tc>
+                  <a:txBody>
+                    <a:bodyPr/>
+                    <a:lstStyle/>
+                    <a:p>
+                      <a:pPr algn="ctr"/>
+                      <a:r>
+                        <a:rPr lang="en-US" dirty="0" smtClean="0"/>
+                        <a:t>Date</a:t>
+                      </a:r>
+                      <a:endParaRPr lang="en-US" dirty="0"/>
+                    </a:p>
+                  </a:txBody>
+                  <a:tcPr>
+                    <a:solidFill>
+                      <a:srgbClr val="008956"/>
+                    </a:solidFill>
+                  </a:tcPr>
+                </a:tc>
+                <a:tc>
+                  <a:txBody>
+                    <a:bodyPr/>
+                    <a:lstStyle/>
+                    <a:p>
+                      <a:pPr algn="ctr"/>
+                      <a:r>
+                        <a:rPr lang="en-US" dirty="0" smtClean="0"/>
+                        <a:t>Code</a:t>
+                      </a:r>
+                      <a:endParaRPr lang="en-US" dirty="0"/>
+                    </a:p>
+                  </a:txBody>
+                  <a:tcPr>
+                    <a:solidFill>
+                      <a:srgbClr val="008956"/>
+                    </a:solidFill>
+                  </a:tcPr>
+                </a:tc>
+                <a:tc>
+                  <a:txBody>
+                    <a:bodyPr/>
+                    <a:lstStyle/>
+                    <a:p>
+                      <a:pPr algn="ctr"/>
+                      <a:r>
+                        <a:rPr lang="en-US" dirty="0" smtClean="0"/>
+                        <a:t>GMS</a:t>
+                      </a:r>
+                      <a:endParaRPr lang="en-US" dirty="0"/>
+                    </a:p>
+                  </a:txBody>
+                  <a:tcPr>
+                    <a:solidFill>
+                      <a:srgbClr val="008956"/>
+                    </a:solidFill>
+                  </a:tcPr>
+                </a:tc>
+                <a:extLst>
+                  <a:ext uri="{0D108BD9-81ED-4DB2-BD59-A6C34878D82A}">
+                    <a16:rowId xmlns:a16="http://schemas.microsoft.com/office/drawing/2014/main" val="2569986774"/>
+                  </a:ext>
+                </a:extLst>
+              </a:tr>
+              <a:tr h="370840">
+                <a:tc>
+                  <a:txBody>
+                    <a:bodyPr/>
+                    <a:lstStyle/>
+                    <a:p>
+                      <a:pPr marL="0" marR="0" lvl="0" indent="0" algn="ctr" defTabSz="914400" rtl="0" eaLnBrk="1" fontAlgn="auto" latinLnBrk="0" hangingPunct="1">
+                        <a:lnSpc>
+                          <a:spcPct val="100000"/>
+                        </a:lnSpc>
+                        <a:spcBef>
+                          <a:spcPts val="0"/>
+                        </a:spcBef>
+                        <a:spcAft>
+                          <a:spcPts val="0"/>
+                        </a:spcAft>
+                        <a:buClrTx/>
+                        <a:buSzTx/>
+                        <a:buFontTx/>
+                        <a:buNone/>
+                        <a:tabLst/>
+                        <a:defRPr/>
+                      </a:pPr>
+                      <a:r>
+                        <a:rPr lang="en-US" sz="1800" b="0" kern="1200" dirty="0" smtClean="0">
+                          <a:solidFill>
+                            <a:schemeClr val="dk1"/>
+                          </a:solidFill>
+                          <a:effectLst/>
+                          <a:latin typeface="+mn-lt"/>
+                          <a:ea typeface="+mn-ea"/>
+                          <a:cs typeface="+mn-cs"/>
+                        </a:rPr>
+                        <a:t>2014-01-01</a:t>
+                      </a:r>
+                    </a:p>
+                  </a:txBody>
+                  <a:tcPr/>
+                </a:tc>
+                <a:tc>
+                  <a:txBody>
+                    <a:bodyPr/>
+                    <a:lstStyle/>
+                    <a:p>
+                      <a:pPr marL="0" marR="0" lvl="0" indent="0" algn="ctr" defTabSz="914400" rtl="0" eaLnBrk="1" fontAlgn="auto" latinLnBrk="0" hangingPunct="1">
+                        <a:lnSpc>
+                          <a:spcPct val="100000"/>
+                        </a:lnSpc>
+                        <a:spcBef>
+                          <a:spcPts val="0"/>
+                        </a:spcBef>
+                        <a:spcAft>
+                          <a:spcPts val="0"/>
+                        </a:spcAft>
+                        <a:buClrTx/>
+                        <a:buSzTx/>
+                        <a:buFontTx/>
+                        <a:buNone/>
+                        <a:tabLst/>
+                        <a:defRPr/>
+                      </a:pPr>
+                      <a:r>
+                        <a:rPr lang="en-US" sz="1800" b="1" kern="1200" dirty="0" smtClean="0">
+                          <a:solidFill>
+                            <a:schemeClr val="dk1"/>
+                          </a:solidFill>
+                          <a:effectLst/>
+                          <a:latin typeface="+mn-lt"/>
+                          <a:ea typeface="+mn-ea"/>
+                          <a:cs typeface="+mn-cs"/>
+                        </a:rPr>
+                        <a:t>CNY</a:t>
+                      </a:r>
+                      <a:endParaRPr lang="en-US" sz="1800" b="0" kern="1200" dirty="0" smtClean="0">
+                        <a:solidFill>
+                          <a:schemeClr val="dk1"/>
+                        </a:solidFill>
+                        <a:effectLst/>
+                        <a:latin typeface="+mn-lt"/>
+                        <a:ea typeface="+mn-ea"/>
+                        <a:cs typeface="+mn-cs"/>
+                      </a:endParaRPr>
+                    </a:p>
+                  </a:txBody>
+                  <a:tcPr/>
+                </a:tc>
+                <a:tc>
+                  <a:txBody>
+                    <a:bodyPr/>
+                    <a:lstStyle/>
+                    <a:p>
+                      <a:pPr marL="0" marR="0" lvl="0" indent="0" algn="ctr" defTabSz="914400" rtl="0" eaLnBrk="1" fontAlgn="auto" latinLnBrk="0" hangingPunct="1">
+                        <a:lnSpc>
+                          <a:spcPct val="100000"/>
+                        </a:lnSpc>
+                        <a:spcBef>
+                          <a:spcPts val="0"/>
+                        </a:spcBef>
+                        <a:spcAft>
+                          <a:spcPts val="0"/>
+                        </a:spcAft>
+                        <a:buClrTx/>
+                        <a:buSzTx/>
+                        <a:buFontTx/>
+                        <a:buNone/>
+                        <a:tabLst/>
+                        <a:defRPr/>
+                      </a:pPr>
+                      <a:r>
+                        <a:rPr lang="en-US" sz="1800" b="0" kern="1200" dirty="0" smtClean="0">
+                          <a:solidFill>
+                            <a:schemeClr val="dk1"/>
+                          </a:solidFill>
+                          <a:effectLst/>
+                          <a:latin typeface="+mn-lt"/>
+                          <a:ea typeface="+mn-ea"/>
+                          <a:cs typeface="+mn-cs"/>
+                        </a:rPr>
+                        <a:t>18509.82</a:t>
+                      </a:r>
+                    </a:p>
+                  </a:txBody>
+                  <a:tcPr/>
+                </a:tc>
+                <a:extLst>
+                  <a:ext uri="{0D108BD9-81ED-4DB2-BD59-A6C34878D82A}">
+                    <a16:rowId xmlns:a16="http://schemas.microsoft.com/office/drawing/2014/main" val="3902973627"/>
+                  </a:ext>
+                </a:extLst>
+              </a:tr>
+              <a:tr h="370840">
+                <a:tc>
+                  <a:txBody>
+                    <a:bodyPr/>
+                    <a:lstStyle/>
+                    <a:p>
+                      <a:pPr marL="0" marR="0" lvl="0" indent="0" algn="ctr" defTabSz="914400" rtl="0" eaLnBrk="1" fontAlgn="auto" latinLnBrk="0" hangingPunct="1">
+                        <a:lnSpc>
+                          <a:spcPct val="100000"/>
+                        </a:lnSpc>
+                        <a:spcBef>
+                          <a:spcPts val="0"/>
+                        </a:spcBef>
+                        <a:spcAft>
+                          <a:spcPts val="0"/>
+                        </a:spcAft>
+                        <a:buClrTx/>
+                        <a:buSzTx/>
+                        <a:buFontTx/>
+                        <a:buNone/>
+                        <a:tabLst/>
+                        <a:defRPr/>
+                      </a:pPr>
+                      <a:r>
+                        <a:rPr lang="en-US" sz="1800" b="0" kern="1200" dirty="0" smtClean="0">
+                          <a:solidFill>
+                            <a:schemeClr val="dk1"/>
+                          </a:solidFill>
+                          <a:effectLst/>
+                          <a:latin typeface="+mn-lt"/>
+                          <a:ea typeface="+mn-ea"/>
+                          <a:cs typeface="+mn-cs"/>
+                        </a:rPr>
+                        <a:t>2014-02-01</a:t>
+                      </a:r>
+                    </a:p>
+                  </a:txBody>
+                  <a:tcPr/>
+                </a:tc>
+                <a:tc>
+                  <a:txBody>
+                    <a:bodyPr/>
+                    <a:lstStyle/>
+                    <a:p>
+                      <a:pPr marL="0" marR="0" lvl="0" indent="0" algn="ctr" defTabSz="914400" rtl="0" eaLnBrk="1" fontAlgn="auto" latinLnBrk="0" hangingPunct="1">
+                        <a:lnSpc>
+                          <a:spcPct val="100000"/>
+                        </a:lnSpc>
+                        <a:spcBef>
+                          <a:spcPts val="0"/>
+                        </a:spcBef>
+                        <a:spcAft>
+                          <a:spcPts val="0"/>
+                        </a:spcAft>
+                        <a:buClrTx/>
+                        <a:buSzTx/>
+                        <a:buFontTx/>
+                        <a:buNone/>
+                        <a:tabLst/>
+                        <a:defRPr/>
+                      </a:pPr>
+                      <a:r>
+                        <a:rPr lang="en-US" sz="1800" b="1" kern="1200" dirty="0" smtClean="0">
+                          <a:solidFill>
+                            <a:schemeClr val="dk1"/>
+                          </a:solidFill>
+                          <a:effectLst/>
+                          <a:latin typeface="+mn-lt"/>
+                          <a:ea typeface="+mn-ea"/>
+                          <a:cs typeface="+mn-cs"/>
+                        </a:rPr>
+                        <a:t>CNY</a:t>
+                      </a:r>
+                      <a:endParaRPr lang="en-US" sz="1800" b="0" kern="1200" dirty="0" smtClean="0">
+                        <a:solidFill>
+                          <a:schemeClr val="dk1"/>
+                        </a:solidFill>
+                        <a:effectLst/>
+                        <a:latin typeface="+mn-lt"/>
+                        <a:ea typeface="+mn-ea"/>
+                        <a:cs typeface="+mn-cs"/>
+                      </a:endParaRPr>
+                    </a:p>
+                  </a:txBody>
+                  <a:tcPr/>
+                </a:tc>
+                <a:tc>
+                  <a:txBody>
+                    <a:bodyPr/>
+                    <a:lstStyle/>
+                    <a:p>
+                      <a:pPr marL="0" marR="0" lvl="0" indent="0" algn="ctr" defTabSz="914400" rtl="0" eaLnBrk="1" fontAlgn="auto" latinLnBrk="0" hangingPunct="1">
+                        <a:lnSpc>
+                          <a:spcPct val="100000"/>
+                        </a:lnSpc>
+                        <a:spcBef>
+                          <a:spcPts val="0"/>
+                        </a:spcBef>
+                        <a:spcAft>
+                          <a:spcPts val="0"/>
+                        </a:spcAft>
+                        <a:buClrTx/>
+                        <a:buSzTx/>
+                        <a:buFontTx/>
+                        <a:buNone/>
+                        <a:tabLst/>
+                        <a:defRPr/>
+                      </a:pPr>
+                      <a:r>
+                        <a:rPr lang="en-US" sz="1800" b="0" kern="1200" dirty="0" smtClean="0">
+                          <a:solidFill>
+                            <a:schemeClr val="dk1"/>
+                          </a:solidFill>
+                          <a:effectLst/>
+                          <a:latin typeface="+mn-lt"/>
+                          <a:ea typeface="+mn-ea"/>
+                          <a:cs typeface="+mn-cs"/>
+                        </a:rPr>
+                        <a:t>18426.40</a:t>
+                      </a:r>
+                    </a:p>
+                  </a:txBody>
+                  <a:tcPr/>
+                </a:tc>
+                <a:extLst>
+                  <a:ext uri="{0D108BD9-81ED-4DB2-BD59-A6C34878D82A}">
+                    <a16:rowId xmlns:a16="http://schemas.microsoft.com/office/drawing/2014/main" val="1219139744"/>
+                  </a:ext>
+                </a:extLst>
+              </a:tr>
+              <a:tr h="370840">
+                <a:tc>
+                  <a:txBody>
+                    <a:bodyPr/>
+                    <a:lstStyle/>
+                    <a:p>
+                      <a:pPr algn="ctr"/>
+                      <a:r>
+                        <a:rPr lang="en-US" dirty="0" smtClean="0"/>
+                        <a:t>…</a:t>
+                      </a:r>
+                      <a:endParaRPr lang="en-US" dirty="0"/>
+                    </a:p>
+                  </a:txBody>
+                  <a:tcPr/>
+                </a:tc>
+                <a:tc>
+                  <a:txBody>
+                    <a:bodyPr/>
+                    <a:lstStyle/>
+                    <a:p>
+                      <a:pPr algn="ctr"/>
+                      <a:r>
+                        <a:rPr lang="en-US" dirty="0" smtClean="0"/>
+                        <a:t>…</a:t>
+                      </a:r>
+                      <a:endParaRPr lang="en-US" dirty="0"/>
+                    </a:p>
+                  </a:txBody>
+                  <a:tcPr/>
+                </a:tc>
+                <a:tc>
+                  <a:txBody>
+                    <a:bodyPr/>
+                    <a:lstStyle/>
+                    <a:p>
+                      <a:pPr algn="ctr"/>
+                      <a:r>
+                        <a:rPr lang="en-US" dirty="0" smtClean="0"/>
+                        <a:t>…</a:t>
+                      </a:r>
+                      <a:endParaRPr lang="en-US" dirty="0"/>
+                    </a:p>
+                  </a:txBody>
+                  <a:tcPr/>
+                </a:tc>
+                <a:extLst>
+                  <a:ext uri="{0D108BD9-81ED-4DB2-BD59-A6C34878D82A}">
+                    <a16:rowId xmlns:a16="http://schemas.microsoft.com/office/drawing/2014/main" val="3814438826"/>
+                  </a:ext>
+                </a:extLst>
+              </a:tr>
+              <a:tr h="370840">
+                <a:tc>
+                  <a:txBody>
+                    <a:bodyPr/>
+                    <a:lstStyle/>
+                    <a:p>
+                      <a:pPr marL="0" marR="0" lvl="0" indent="0" algn="ctr" defTabSz="914400" rtl="0" eaLnBrk="1" fontAlgn="auto" latinLnBrk="0" hangingPunct="1">
+                        <a:lnSpc>
+                          <a:spcPct val="100000"/>
+                        </a:lnSpc>
+                        <a:spcBef>
+                          <a:spcPts val="0"/>
+                        </a:spcBef>
+                        <a:spcAft>
+                          <a:spcPts val="0"/>
+                        </a:spcAft>
+                        <a:buClrTx/>
+                        <a:buSzTx/>
+                        <a:buFontTx/>
+                        <a:buNone/>
+                        <a:tabLst/>
+                        <a:defRPr/>
+                      </a:pPr>
+                      <a:r>
+                        <a:rPr lang="en-US" sz="1800" b="0" kern="1200" dirty="0" smtClean="0">
+                          <a:solidFill>
+                            <a:schemeClr val="dk1"/>
+                          </a:solidFill>
+                          <a:effectLst/>
+                          <a:latin typeface="+mn-lt"/>
+                          <a:ea typeface="+mn-ea"/>
+                          <a:cs typeface="+mn-cs"/>
+                        </a:rPr>
+                        <a:t>2024-02-01</a:t>
+                      </a:r>
+                    </a:p>
+                  </a:txBody>
+                  <a:tcPr/>
+                </a:tc>
+                <a:tc>
+                  <a:txBody>
+                    <a:bodyPr/>
+                    <a:lstStyle/>
+                    <a:p>
+                      <a:pPr marL="0" marR="0" lvl="0" indent="0" algn="ctr" defTabSz="914400" rtl="0" eaLnBrk="1" fontAlgn="auto" latinLnBrk="0" hangingPunct="1">
+                        <a:lnSpc>
+                          <a:spcPct val="100000"/>
+                        </a:lnSpc>
+                        <a:spcBef>
+                          <a:spcPts val="0"/>
+                        </a:spcBef>
+                        <a:spcAft>
+                          <a:spcPts val="0"/>
+                        </a:spcAft>
+                        <a:buClrTx/>
+                        <a:buSzTx/>
+                        <a:buFontTx/>
+                        <a:buNone/>
+                        <a:tabLst/>
+                        <a:defRPr/>
+                      </a:pPr>
+                      <a:r>
+                        <a:rPr lang="en-US" sz="1800" b="1" kern="1200" dirty="0" smtClean="0">
+                          <a:solidFill>
+                            <a:schemeClr val="dk1"/>
+                          </a:solidFill>
+                          <a:effectLst/>
+                          <a:latin typeface="+mn-lt"/>
+                          <a:ea typeface="+mn-ea"/>
+                          <a:cs typeface="+mn-cs"/>
+                        </a:rPr>
+                        <a:t>ZAR</a:t>
+                      </a:r>
+                      <a:endParaRPr lang="en-US" sz="1800" b="0" kern="1200" dirty="0" smtClean="0">
+                        <a:solidFill>
+                          <a:schemeClr val="dk1"/>
+                        </a:solidFill>
+                        <a:effectLst/>
+                        <a:latin typeface="+mn-lt"/>
+                        <a:ea typeface="+mn-ea"/>
+                        <a:cs typeface="+mn-cs"/>
+                      </a:endParaRPr>
+                    </a:p>
+                  </a:txBody>
+                  <a:tcPr/>
+                </a:tc>
+                <a:tc>
+                  <a:txBody>
+                    <a:bodyPr/>
+                    <a:lstStyle/>
+                    <a:p>
+                      <a:pPr marL="0" marR="0" lvl="0" indent="0" algn="ctr" defTabSz="914400" rtl="0" eaLnBrk="1" fontAlgn="auto" latinLnBrk="0" hangingPunct="1">
+                        <a:lnSpc>
+                          <a:spcPct val="100000"/>
+                        </a:lnSpc>
+                        <a:spcBef>
+                          <a:spcPts val="0"/>
+                        </a:spcBef>
+                        <a:spcAft>
+                          <a:spcPts val="0"/>
+                        </a:spcAft>
+                        <a:buClrTx/>
+                        <a:buSzTx/>
+                        <a:buFontTx/>
+                        <a:buNone/>
+                        <a:tabLst/>
+                        <a:defRPr/>
+                      </a:pPr>
+                      <a:r>
+                        <a:rPr lang="en-US" sz="1800" b="0" kern="1200" dirty="0" smtClean="0">
+                          <a:solidFill>
+                            <a:schemeClr val="dk1"/>
+                          </a:solidFill>
+                          <a:effectLst/>
+                          <a:latin typeface="+mn-lt"/>
+                          <a:ea typeface="+mn-ea"/>
+                          <a:cs typeface="+mn-cs"/>
+                        </a:rPr>
+                        <a:t>265.72</a:t>
+                      </a:r>
+                    </a:p>
+                  </a:txBody>
+                  <a:tcPr/>
+                </a:tc>
+                <a:extLst>
+                  <a:ext uri="{0D108BD9-81ED-4DB2-BD59-A6C34878D82A}">
+                    <a16:rowId xmlns:a16="http://schemas.microsoft.com/office/drawing/2014/main" val="290207990"/>
+                  </a:ext>
+                </a:extLst>
+              </a:tr>
+              <a:tr h="370840">
+                <a:tc>
+                  <a:txBody>
+                    <a:bodyPr/>
+                    <a:lstStyle/>
+                    <a:p>
+                      <a:pPr marL="0" marR="0" lvl="0" indent="0" algn="ctr" defTabSz="914400" rtl="0" eaLnBrk="1" fontAlgn="auto" latinLnBrk="0" hangingPunct="1">
+                        <a:lnSpc>
+                          <a:spcPct val="100000"/>
+                        </a:lnSpc>
+                        <a:spcBef>
+                          <a:spcPts val="0"/>
+                        </a:spcBef>
+                        <a:spcAft>
+                          <a:spcPts val="0"/>
+                        </a:spcAft>
+                        <a:buClrTx/>
+                        <a:buSzTx/>
+                        <a:buFontTx/>
+                        <a:buNone/>
+                        <a:tabLst/>
+                        <a:defRPr/>
+                      </a:pPr>
+                      <a:r>
+                        <a:rPr lang="en-US" sz="1800" b="0" kern="1200" dirty="0" smtClean="0">
+                          <a:solidFill>
+                            <a:schemeClr val="dk1"/>
+                          </a:solidFill>
+                          <a:effectLst/>
+                          <a:latin typeface="+mn-lt"/>
+                          <a:ea typeface="+mn-ea"/>
+                          <a:cs typeface="+mn-cs"/>
+                        </a:rPr>
+                        <a:t>2024-03-01</a:t>
+                      </a:r>
+                    </a:p>
+                  </a:txBody>
+                  <a:tcPr/>
+                </a:tc>
+                <a:tc>
+                  <a:txBody>
+                    <a:bodyPr/>
+                    <a:lstStyle/>
+                    <a:p>
+                      <a:pPr algn="ctr"/>
+                      <a:r>
+                        <a:rPr lang="en-US" sz="1800" b="1" kern="1200" dirty="0" smtClean="0">
+                          <a:solidFill>
+                            <a:schemeClr val="dk1"/>
+                          </a:solidFill>
+                          <a:effectLst/>
+                          <a:latin typeface="+mn-lt"/>
+                          <a:ea typeface="+mn-ea"/>
+                          <a:cs typeface="+mn-cs"/>
+                        </a:rPr>
+                        <a:t>ZAR</a:t>
+                      </a:r>
+                      <a:endParaRPr lang="en-US" dirty="0"/>
+                    </a:p>
+                  </a:txBody>
+                  <a:tcPr/>
+                </a:tc>
+                <a:tc>
+                  <a:txBody>
+                    <a:bodyPr/>
+                    <a:lstStyle/>
+                    <a:p>
+                      <a:pPr marL="0" marR="0" lvl="0" indent="0" algn="ctr" defTabSz="914400" rtl="0" eaLnBrk="1" fontAlgn="auto" latinLnBrk="0" hangingPunct="1">
+                        <a:lnSpc>
+                          <a:spcPct val="100000"/>
+                        </a:lnSpc>
+                        <a:spcBef>
+                          <a:spcPts val="0"/>
+                        </a:spcBef>
+                        <a:spcAft>
+                          <a:spcPts val="0"/>
+                        </a:spcAft>
+                        <a:buClrTx/>
+                        <a:buSzTx/>
+                        <a:buFontTx/>
+                        <a:buNone/>
+                        <a:tabLst/>
+                        <a:defRPr/>
+                      </a:pPr>
+                      <a:r>
+                        <a:rPr lang="en-US" sz="1800" b="0" kern="1200" dirty="0" smtClean="0">
+                          <a:solidFill>
+                            <a:schemeClr val="dk1"/>
+                          </a:solidFill>
+                          <a:effectLst/>
+                          <a:latin typeface="+mn-lt"/>
+                          <a:ea typeface="+mn-ea"/>
+                          <a:cs typeface="+mn-cs"/>
+                        </a:rPr>
+                        <a:t>275.59</a:t>
+                      </a:r>
+                    </a:p>
+                  </a:txBody>
+                  <a:tcPr/>
+                </a:tc>
+                <a:extLst>
+                  <a:ext uri="{0D108BD9-81ED-4DB2-BD59-A6C34878D82A}">
+                    <a16:rowId xmlns:a16="http://schemas.microsoft.com/office/drawing/2014/main" val="2419483235"/>
+                  </a:ext>
+                </a:extLst>
+              </a:tr>
+            </a:tbl>
+          </a:graphicData>
+        </a:graphic>
+      </p:graphicFrame>
     </p:spTree>
     <p:extLst>
       <p:ext uri="{BB962C8B-B14F-4D97-AF65-F5344CB8AC3E}">
@@ -5325,9 +6954,57 @@
             </a:pPr>
             <a:r>
               <a:rPr lang="en-US" dirty="0" smtClean="0"/>
-              <a:t>Exceptions</a:t>
-            </a:r>
-            <a:endParaRPr lang="en-US" dirty="0"/>
+              <a:t>Exceptions Handling</a:t>
+            </a:r>
+            <a:endParaRPr lang="en-US" dirty="0" smtClean="0"/>
+          </a:p>
+          <a:p>
+            <a:pPr>
+              <a:lnSpc>
+                <a:spcPct val="150000"/>
+              </a:lnSpc>
+            </a:pPr>
+            <a:r>
+              <a:rPr lang="en-US" dirty="0" smtClean="0"/>
+              <a:t>Melting table (</a:t>
+            </a:r>
+            <a:r>
+              <a:rPr lang="en-US" i="1" dirty="0" err="1" smtClean="0">
+                <a:solidFill>
+                  <a:srgbClr val="FF9F77"/>
+                </a:solidFill>
+                <a:latin typeface="Code Light" panose="020B0604020202020204" pitchFamily="50" charset="0"/>
+              </a:rPr>
+              <a:t>pd.melt</a:t>
+            </a:r>
+            <a:r>
+              <a:rPr lang="en-US" dirty="0" smtClean="0"/>
+              <a:t>)</a:t>
+            </a:r>
+          </a:p>
+          <a:p>
+            <a:pPr>
+              <a:lnSpc>
+                <a:spcPct val="150000"/>
+              </a:lnSpc>
+            </a:pPr>
+            <a:r>
+              <a:rPr lang="en-US" dirty="0" err="1" smtClean="0">
+                <a:solidFill>
+                  <a:schemeClr val="bg2">
+                    <a:lumMod val="75000"/>
+                  </a:schemeClr>
+                </a:solidFill>
+              </a:rPr>
+              <a:t>Unpivoting</a:t>
+            </a:r>
+            <a:endParaRPr lang="en-US" dirty="0" smtClean="0">
+              <a:solidFill>
+                <a:schemeClr val="bg2">
+                  <a:lumMod val="75000"/>
+                </a:schemeClr>
+              </a:solidFill>
+            </a:endParaRPr>
           </a:p>
         </p:txBody>
       </p:sp>
@@ -5678,8 +7355,8 @@
         </p:nvSpPr>
         <p:spPr bwMode="auto">
           <a:xfrm>
-            <a:off x="838200" y="1426627"/>
-            <a:ext cx="7354079" cy="3970318"/>
+            <a:off x="647701" y="1374220"/>
+            <a:ext cx="5232400" cy="5262979"/>
           </a:xfrm>
           <a:prstGeom prst="rect">
             <a:avLst/>
@@ -5783,7 +7460,19 @@
                 </a:solidFill>
                 <a:effectLst/>
               </a:rPr>
-              <a:t>Data is accurately transformed and stored.</a:t>
+              <a:t>Data is accurately </a:t>
+            </a:r>
+            <a:r>
+              <a:rPr kumimoji="0" lang="en-US" altLang="en-US" b="0" i="0" u="none" strike="noStrike" cap="none" normalizeH="0" baseline="0" dirty="0" smtClean="0">
+                <a:ln>
+                  <a:noFill/>
+                </a:ln>
+                <a:solidFill>
+                  <a:schemeClr val="tx1"/>
+                </a:solidFill>
+                <a:effectLst/>
+              </a:rPr>
+              <a:t>transformed</a:t>
             </a:r>
           </a:p>
           <a:p>
@@ -5843,7 +7532,19 @@
                 </a:solidFill>
                 <a:effectLst/>
               </a:rPr>
-              <a:t>Workflow orchestration is functioning as expected.</a:t>
+              <a:t>Workflow </a:t>
+            </a:r>
+            <a:r>
+              <a:rPr kumimoji="0" lang="en-US" altLang="en-US" b="0" i="0" u="none" strike="noStrike" cap="none" normalizeH="0" baseline="0" dirty="0" smtClean="0">
+                <a:ln>
+                  <a:noFill/>
+                </a:ln>
+                <a:solidFill>
+                  <a:schemeClr val="tx1"/>
+                </a:solidFill>
+                <a:effectLst/>
+              </a:rPr>
+              <a:t>orchestration is functioning as expected.</a:t>
             </a:r>
           </a:p>
           <a:p>
@@ -5873,8 +7574,29 @@
                 </a:solidFill>
                 <a:effectLst/>
               </a:rPr>
-              <a:t>Consistent performance</a:t>
-            </a:r>
+              <a:t>Consistent </a:t>
+            </a:r>
+            <a:r>
+              <a:rPr kumimoji="0" lang="en-US" altLang="en-US" b="0" i="0" u="none" strike="noStrike" cap="none" normalizeH="0" baseline="0" dirty="0" smtClean="0">
+                <a:ln>
+                  <a:noFill/>
+                </a:ln>
+                <a:solidFill>
+                  <a:schemeClr val="tx1"/>
+                </a:solidFill>
+                <a:effectLst/>
+              </a:rPr>
+              <a:t>performance</a:t>
+            </a:r>
+            <a:endParaRPr kumimoji="0" lang="en-US" altLang="en-US" b="0" i="0" u="none" strike="noStrike" cap="none" normalizeH="0" baseline="0" dirty="0" smtClean="0">
+              <a:ln>
+                <a:noFill/>
+              </a:ln>
+              <a:solidFill>
+                <a:schemeClr val="tx1"/>
+              </a:solidFill>
+              <a:effectLst/>
+            </a:endParaRPr>
           </a:p>
         </p:txBody>
       </p:sp>
@@ -6017,6 +7739,94 @@
           </a:p>
         </p:txBody>
       </p:sp>
+      <p:pic>
+        <p:nvPicPr>
+          <p:cNvPr id="7" name="Picture 6"/>
+          <p:cNvPicPr>
+            <a:picLocks noChangeAspect="1"/>
+          </p:cNvPicPr>
+          <p:nvPr/>
+        </p:nvPicPr>
+        <p:blipFill>
+          <a:blip r:embed="rId3">
+            <a:extLst>
+              <a:ext uri="{28A0092B-C50C-407E-A947-70E740481C1C}">
+                <a14:useLocalDpi xmlns:a14="http://schemas.microsoft.com/office/drawing/2010/main" val="0"/>
+              </a:ext>
+            </a:extLst>
+          </a:blip>
+          <a:stretch>
+            <a:fillRect/>
+          </a:stretch>
+        </p:blipFill>
+        <p:spPr>
+          <a:xfrm>
+            <a:off x="5646261" y="1990166"/>
+            <a:ext cx="6404225" cy="3710860"/>
+          </a:xfrm>
+          <a:prstGeom prst="rect">
+            <a:avLst/>
+          </a:prstGeom>
+        </p:spPr>
+      </p:pic>
+      <p:pic>
+        <p:nvPicPr>
+          <p:cNvPr id="9" name="Picture 8"/>
+          <p:cNvPicPr>
+            <a:picLocks noChangeAspect="1"/>
+          </p:cNvPicPr>
+          <p:nvPr/>
+        </p:nvPicPr>
+        <p:blipFill rotWithShape="1">
+          <a:blip r:embed="rId4">
+            <a:extLst>
+              <a:ext uri="{28A0092B-C50C-407E-A947-70E740481C1C}">
+                <a14:useLocalDpi xmlns:a14="http://schemas.microsoft.com/office/drawing/2010/main" val="0"/>
+              </a:ext>
+            </a:extLst>
+          </a:blip>
+          <a:srcRect l="1571" t="3192" r="1439" b="1583"/>
+          <a:stretch/>
+        </p:blipFill>
+        <p:spPr>
+          <a:xfrm>
+            <a:off x="5764531" y="2084479"/>
+            <a:ext cx="6202920" cy="3490822"/>
+          </a:xfrm>
+          <a:prstGeom prst="rect">
+            <a:avLst/>
+          </a:prstGeom>
+        </p:spPr>
+      </p:pic>
+      <p:pic>
+        <p:nvPicPr>
+          <p:cNvPr id="11" name="Picture 10"/>
+          <p:cNvPicPr>
+            <a:picLocks noChangeAspect="1"/>
+          </p:cNvPicPr>
+          <p:nvPr/>
+        </p:nvPicPr>
+        <p:blipFill rotWithShape="1">
+          <a:blip r:embed="rId5">
+            <a:extLst>
+              <a:ext uri="{28A0092B-C50C-407E-A947-70E740481C1C}">
+                <a14:useLocalDpi xmlns:a14="http://schemas.microsoft.com/office/drawing/2010/main" val="0"/>
+              </a:ext>
+            </a:extLst>
+          </a:blip>
+          <a:srcRect l="1434" t="1362" r="1527" b="3570"/>
+          <a:stretch/>
+        </p:blipFill>
+        <p:spPr>
+          <a:xfrm>
+            <a:off x="5748566" y="2093556"/>
+            <a:ext cx="6247081" cy="3481745"/>
+          </a:xfrm>
+          <a:prstGeom prst="rect">
+            <a:avLst/>
+          </a:prstGeom>
+        </p:spPr>
+      </p:pic>
     </p:spTree>
     <p:extLst>
       <p:ext uri="{BB962C8B-B14F-4D97-AF65-F5344CB8AC3E}">
@@ -6030,7 +7840,212 @@
   <p:timing>
     <p:tnLst>
       <p:par>
-        <p:cTn id="1" dur="indefinite" restart="never" nodeType="tmRoot"/>
+        <p:cTn id="1" dur="indefinite" restart="never" nodeType="tmRoot">
+          <p:childTnLst>
+            <p:seq concurrent="1" nextAc="seek">
+              <p:cTn id="2" dur="indefinite" nodeType="mainSeq">
+                <p:childTnLst>
+                  <p:par>
+                    <p:cTn id="3" fill="hold">
+                      <p:stCondLst>
+                        <p:cond delay="indefinite"/>
+                      </p:stCondLst>
+                      <p:childTnLst>
+                        <p:par>
+                          <p:cTn id="4" fill="hold">
+                            <p:stCondLst>
+                              <p:cond delay="0"/>
+                            </p:stCondLst>
+                            <p:childTnLst>
+                              <p:par>
+                                <p:cTn id="5" presetID="2" presetClass="entr" presetSubtype="4" fill="hold" nodeType="clickEffect">
+                                  <p:stCondLst>
+                                    <p:cond delay="0"/>
+                                  </p:stCondLst>
+                                  <p:childTnLst>
+                                    <p:set>
+                                      <p:cBhvr>
+                                        <p:cTn id="6" dur="1" fill="hold">
+                                          <p:stCondLst>
+                                            <p:cond delay="0"/>
+                                          </p:stCondLst>
+                                        </p:cTn>
+                                        <p:tgtEl>
+                                          <p:spTgt spid="9"/>
+                                        </p:tgtEl>
+                                        <p:attrNameLst>
+                                          <p:attrName>style.visibility</p:attrName>
+                                        </p:attrNameLst>
+                                      </p:cBhvr>
+                                      <p:to>
+                                        <p:strVal val="visible"/>
+                                      </p:to>
+                                    </p:set>
+                                    <p:anim calcmode="lin" valueType="num">
+                                      <p:cBhvr additive="base">
+                                        <p:cTn id="7" dur="500" fill="hold"/>
+                                        <p:tgtEl>
+                                          <p:spTgt spid="9"/>
+                                        </p:tgtEl>
+                                        <p:attrNameLst>
+                                          <p:attrName>ppt_x</p:attrName>
+                                        </p:attrNameLst>
+                                      </p:cBhvr>
+                                      <p:tavLst>
+                                        <p:tav tm="0">
+                                          <p:val>
+                                            <p:strVal val="#ppt_x"/>
+                                          </p:val>
+                                        </p:tav>
+                                        <p:tav tm="100000">
+                                          <p:val>
+                                            <p:strVal val="#ppt_x"/>
+                                          </p:val>
+                                        </p:tav>
+                                      </p:tavLst>
+                                    </p:anim>
+                                    <p:anim calcmode="lin" valueType="num">
+                                      <p:cBhvr additive="base">
+                                        <p:cTn id="8" dur="500" fill="hold"/>
+                                        <p:tgtEl>
+                                          <p:spTgt spid="9"/>
+                                        </p:tgtEl>
+                                        <p:attrNameLst>
+                                          <p:attrName>ppt_y</p:attrName>
+                                        </p:attrNameLst>
+                                      </p:cBhvr>
+                                      <p:tavLst>
+                                        <p:tav tm="0">
+                                          <p:val>
+                                            <p:strVal val="1+#ppt_h/2"/>
+                                          </p:val>
+                                        </p:tav>
+                                        <p:tav tm="100000">
+                                          <p:val>
+                                            <p:strVal val="#ppt_y"/>
+                                          </p:val>
+                                        </p:tav>
+                                      </p:tavLst>
+                                    </p:anim>
+                                  </p:childTnLst>
+                                </p:cTn>
+                              </p:par>
+                            </p:childTnLst>
+                          </p:cTn>
+                        </p:par>
+                      </p:childTnLst>
+                    </p:cTn>
+                  </p:par>
+                  <p:par>
+                    <p:cTn id="9" fill="hold">
+                      <p:stCondLst>
+                        <p:cond delay="indefinite"/>
+                      </p:stCondLst>
+                      <p:childTnLst>
+                        <p:par>
+                          <p:cTn id="10" fill="hold">
+                            <p:stCondLst>
+                              <p:cond delay="0"/>
+                            </p:stCondLst>
+                            <p:childTnLst>
+                              <p:par>
+                                <p:cTn id="11" presetID="2" presetClass="entr" presetSubtype="4" fill="hold" nodeType="clickEffect">
+                                  <p:stCondLst>
+                                    <p:cond delay="0"/>
+                                  </p:stCondLst>
+                                  <p:childTnLst>
+                                    <p:set>
+                                      <p:cBhvr>
+                                        <p:cTn id="12" dur="1" fill="hold">
+                                          <p:stCondLst>
+                                            <p:cond delay="0"/>
+                                          </p:stCondLst>
+                                        </p:cTn>
+                                        <p:tgtEl>
+                                          <p:spTgt spid="11"/>
+                                        </p:tgtEl>
+                                        <p:attrNameLst>
+                                          <p:attrName>style.visibility</p:attrName>
+                                        </p:attrNameLst>
+                                      </p:cBhvr>
+                                      <p:to>
+                                        <p:strVal val="visible"/>
+                                      </p:to>
+                                    </p:set>
+                                    <p:anim calcmode="lin" valueType="num">
+                                      <p:cBhvr additive="base">
+                                        <p:cTn id="13" dur="500" fill="hold"/>
+                                        <p:tgtEl>
+                                          <p:spTgt spid="11"/>
+                                        </p:tgtEl>
+                                        <p:attrNameLst>
+                                          <p:attrName>ppt_x</p:attrName>
+                                        </p:attrNameLst>
+                                      </p:cBhvr>
+                                      <p:tavLst>
+                                        <p:tav tm="0">
+                                          <p:val>
+                                            <p:strVal val="#ppt_x"/>
+                                          </p:val>
+                                        </p:tav>
+                                        <p:tav tm="100000">
+                                          <p:val>
+                                            <p:strVal val="#ppt_x"/>
+                                          </p:val>
+                                        </p:tav>
+                                      </p:tavLst>
+                                    </p:anim>
+                                    <p:anim calcmode="lin" valueType="num">
+                                      <p:cBhvr additive="base">
+                                        <p:cTn id="14" dur="500" fill="hold"/>
+                                        <p:tgtEl>
+                                          <p:spTgt spid="11"/>
+                                        </p:tgtEl>
+                                        <p:attrNameLst>
+                                          <p:attrName>ppt_y</p:attrName>
+                                        </p:attrNameLst>
+                                      </p:cBhvr>
+                                      <p:tavLst>
+                                        <p:tav tm="0">
+                                          <p:val>
+                                            <p:strVal val="1+#ppt_h/2"/>
+                                          </p:val>
+                                        </p:tav>
+                                        <p:tav tm="100000">
+                                          <p:val>
+                                            <p:strVal val="#ppt_y"/>
+                                          </p:val>
+                                        </p:tav>
+                                      </p:tavLst>
+                                    </p:anim>
+                                  </p:childTnLst>
+                                </p:cTn>
+                              </p:par>
+                            </p:childTnLst>
+                          </p:cTn>
+                        </p:par>
+                      </p:childTnLst>
+                    </p:cTn>
+                  </p:par>
+                </p:childTnLst>
+              </p:cTn>
+              <p:prevCondLst>
+                <p:cond evt="onPrev" delay="0">
+                  <p:tgtEl>
+                    <p:sldTgt/>
+                  </p:tgtEl>
+                </p:cond>
+              </p:prevCondLst>
+              <p:nextCondLst>
+                <p:cond evt="onNext" delay="0">
+                  <p:tgtEl>
+                    <p:sldTgt/>
+                  </p:tgtEl>
+                </p:cond>
+              </p:nextCondLst>
+            </p:seq>
+          </p:childTnLst>
+        </p:cTn>
       </p:par>
     </p:tnLst>
   </p:timing>
@@ -6135,6 +8150,17 @@
             <a:r>
               <a:rPr lang="en-US" dirty="0" smtClean="0"/>
               <a:t>Optimization</a:t>
+            </a:r>
+          </a:p>
+          <a:p>
+            <a:pPr>
+              <a:lnSpc>
+                <a:spcPct val="150000"/>
+              </a:lnSpc>
+            </a:pPr>
+            <a:r>
+              <a:rPr lang="en-US" dirty="0" smtClean="0"/>
+              <a:t>Data Transformation</a:t>
             </a:r>
           </a:p>
           <a:p>
@@ -6443,10 +8469,11 @@
           <a:bodyPr/>
           <a:lstStyle/>
           <a:p>
-            <a:pPr>
+            <a:pPr marL="0" indent="0">
               <a:lnSpc>
                 <a:spcPct val="150000"/>
               </a:lnSpc>
+              <a:buNone/>
             </a:pPr>
             <a:r>
               <a:rPr lang="en-US" dirty="0" smtClean="0"/>
@@ -6788,7 +8815,7 @@
         </p:blipFill>
         <p:spPr bwMode="auto">
           <a:xfrm>
-            <a:off x="6575427" y="4918219"/>
+            <a:off x="6490253" y="5110757"/>
             <a:ext cx="2318723" cy="1060875"/>
           </a:xfrm>
           <a:prstGeom prst="rect">
@@ -6975,7 +9002,7 @@
         </p:nvSpPr>
         <p:spPr>
           <a:xfrm>
-            <a:off x="7562850" y="4293184"/>
+            <a:off x="7519558" y="4656807"/>
             <a:ext cx="2810435" cy="461665"/>
           </a:xfrm>
           <a:prstGeom prst="rect">
